--- a/myapp/public/01257003+01257025.pptx
+++ b/myapp/public/01257003+01257025.pptx
@@ -19,16 +19,18 @@
     <p:sldId id="264" r:id="rId13"/>
     <p:sldId id="265" r:id="rId14"/>
     <p:sldId id="266" r:id="rId15"/>
+    <p:sldId id="267" r:id="rId16"/>
+    <p:sldId id="268" r:id="rId17"/>
   </p:sldIdLst>
   <p:sldSz cy="6858000" cx="12192000"/>
   <p:notesSz cx="6858000" cy="9144000"/>
   <p:embeddedFontLst>
     <p:embeddedFont>
       <p:font typeface="Garamond"/>
-      <p:regular r:id="rId16"/>
-      <p:bold r:id="rId17"/>
-      <p:italic r:id="rId18"/>
-      <p:boldItalic r:id="rId19"/>
+      <p:regular r:id="rId18"/>
+      <p:bold r:id="rId19"/>
+      <p:italic r:id="rId20"/>
+      <p:boldItalic r:id="rId21"/>
     </p:embeddedFont>
   </p:embeddedFontLst>
   <p:defaultTextStyle>
@@ -793,7 +795,7 @@
   <p:cSld>
     <p:spTree>
       <p:nvGrpSpPr>
-        <p:cNvPr id="109" name="Shape 109"/>
+        <p:cNvPr id="134" name="Shape 134"/>
         <p:cNvGrpSpPr/>
         <p:nvPr/>
       </p:nvGrpSpPr>
@@ -807,7 +809,7 @@
       </p:grpSpPr>
       <p:sp>
         <p:nvSpPr>
-          <p:cNvPr id="110" name="Google Shape;110;g3216495a05f_1_924:notes"/>
+          <p:cNvPr id="135" name="Google Shape;135;g3216495a05f_1_924:notes"/>
           <p:cNvSpPr/>
           <p:nvPr>
             <p:ph idx="2" type="sldImg"/>
@@ -842,7 +844,7 @@
       </p:sp>
       <p:sp>
         <p:nvSpPr>
-          <p:cNvPr id="111" name="Google Shape;111;g3216495a05f_1_924:notes"/>
+          <p:cNvPr id="136" name="Google Shape;136;g3216495a05f_1_924:notes"/>
           <p:cNvSpPr txBox="1"/>
           <p:nvPr>
             <p:ph idx="1" type="body"/>
@@ -892,7 +894,7 @@
   <p:cSld>
     <p:spTree>
       <p:nvGrpSpPr>
-        <p:cNvPr id="127" name="Shape 127"/>
+        <p:cNvPr id="140" name="Shape 140"/>
         <p:cNvGrpSpPr/>
         <p:nvPr/>
       </p:nvGrpSpPr>
@@ -906,7 +908,205 @@
       </p:grpSpPr>
       <p:sp>
         <p:nvSpPr>
-          <p:cNvPr id="128" name="Google Shape;128;p11:notes"/>
+          <p:cNvPr id="141" name="Google Shape;141;g3261d594771_0_41:notes"/>
+          <p:cNvSpPr/>
+          <p:nvPr>
+            <p:ph idx="2" type="sldImg"/>
+          </p:nvPr>
+        </p:nvSpPr>
+        <p:spPr>
+          <a:xfrm>
+            <a:off x="1143225" y="685800"/>
+            <a:ext cx="4572300" cy="3429000"/>
+          </a:xfrm>
+          <a:custGeom>
+            <a:rect b="b" l="l" r="r" t="t"/>
+            <a:pathLst>
+              <a:path extrusionOk="0" h="120000" w="120000">
+                <a:moveTo>
+                  <a:pt x="0" y="0"/>
+                </a:moveTo>
+                <a:lnTo>
+                  <a:pt x="120000" y="0"/>
+                </a:lnTo>
+                <a:lnTo>
+                  <a:pt x="120000" y="120000"/>
+                </a:lnTo>
+                <a:lnTo>
+                  <a:pt x="0" y="120000"/>
+                </a:lnTo>
+                <a:close/>
+              </a:path>
+            </a:pathLst>
+          </a:custGeom>
+        </p:spPr>
+      </p:sp>
+      <p:sp>
+        <p:nvSpPr>
+          <p:cNvPr id="142" name="Google Shape;142;g3261d594771_0_41:notes"/>
+          <p:cNvSpPr txBox="1"/>
+          <p:nvPr>
+            <p:ph idx="1" type="body"/>
+          </p:nvPr>
+        </p:nvSpPr>
+        <p:spPr>
+          <a:xfrm>
+            <a:off x="685800" y="4343400"/>
+            <a:ext cx="5486400" cy="4114800"/>
+          </a:xfrm>
+          <a:prstGeom prst="rect">
+            <a:avLst/>
+          </a:prstGeom>
+        </p:spPr>
+        <p:txBody>
+          <a:bodyPr anchorCtr="0" anchor="t" bIns="91425" lIns="91425" spcFirstLastPara="1" rIns="91425" wrap="square" tIns="91425">
+            <a:noAutofit/>
+          </a:bodyPr>
+          <a:lstStyle/>
+          <a:p>
+            <a:pPr indent="0" lvl="0" marL="0" rtl="0" algn="l">
+              <a:spcBef>
+                <a:spcPts val="0"/>
+              </a:spcBef>
+              <a:spcAft>
+                <a:spcPts val="0"/>
+              </a:spcAft>
+              <a:buNone/>
+            </a:pPr>
+            <a:r>
+              <a:t/>
+            </a:r>
+            <a:endParaRPr/>
+          </a:p>
+        </p:txBody>
+      </p:sp>
+    </p:spTree>
+  </p:cSld>
+  <p:clrMapOvr>
+    <a:masterClrMapping/>
+  </p:clrMapOvr>
+</p:notes>
+</file>
+
+<file path=ppt/notesSlides/notesSlide12.xml><?xml version="1.0" encoding="utf-8"?>
+<p:notes xmlns:a="http://schemas.openxmlformats.org/drawingml/2006/main" xmlns:r="http://schemas.openxmlformats.org/officeDocument/2006/relationships" xmlns:mc="http://schemas.openxmlformats.org/markup-compatibility/2006" xmlns:mv="urn:schemas-microsoft-com:mac:vml" xmlns:p="http://schemas.openxmlformats.org/presentationml/2006/main" xmlns:c="http://schemas.openxmlformats.org/drawingml/2006/chart" xmlns:dgm="http://schemas.openxmlformats.org/drawingml/2006/diagram" xmlns:o="urn:schemas-microsoft-com:office:office" xmlns:v="urn:schemas-microsoft-com:vml" xmlns:pvml="urn:schemas-microsoft-com:office:powerpoint" xmlns:com="http://schemas.openxmlformats.org/drawingml/2006/compatibility" xmlns:p14="http://schemas.microsoft.com/office/powerpoint/2010/main" xmlns:p15="http://schemas.microsoft.com/office/powerpoint/2012/main" xmlns:ahyp="http://schemas.microsoft.com/office/drawing/2018/hyperlinkcolor" showMasterPhAnim="0" showMasterSp="0">
+  <p:cSld>
+    <p:spTree>
+      <p:nvGrpSpPr>
+        <p:cNvPr id="145" name="Shape 145"/>
+        <p:cNvGrpSpPr/>
+        <p:nvPr/>
+      </p:nvGrpSpPr>
+      <p:grpSpPr>
+        <a:xfrm>
+          <a:off x="0" y="0"/>
+          <a:ext cx="0" cy="0"/>
+          <a:chOff x="0" y="0"/>
+          <a:chExt cx="0" cy="0"/>
+        </a:xfrm>
+      </p:grpSpPr>
+      <p:sp>
+        <p:nvSpPr>
+          <p:cNvPr id="146" name="Google Shape;146;g3261d594771_0_45:notes"/>
+          <p:cNvSpPr/>
+          <p:nvPr>
+            <p:ph idx="2" type="sldImg"/>
+          </p:nvPr>
+        </p:nvSpPr>
+        <p:spPr>
+          <a:xfrm>
+            <a:off x="1143225" y="685800"/>
+            <a:ext cx="4572300" cy="3429000"/>
+          </a:xfrm>
+          <a:custGeom>
+            <a:rect b="b" l="l" r="r" t="t"/>
+            <a:pathLst>
+              <a:path extrusionOk="0" h="120000" w="120000">
+                <a:moveTo>
+                  <a:pt x="0" y="0"/>
+                </a:moveTo>
+                <a:lnTo>
+                  <a:pt x="120000" y="0"/>
+                </a:lnTo>
+                <a:lnTo>
+                  <a:pt x="120000" y="120000"/>
+                </a:lnTo>
+                <a:lnTo>
+                  <a:pt x="0" y="120000"/>
+                </a:lnTo>
+                <a:close/>
+              </a:path>
+            </a:pathLst>
+          </a:custGeom>
+        </p:spPr>
+      </p:sp>
+      <p:sp>
+        <p:nvSpPr>
+          <p:cNvPr id="147" name="Google Shape;147;g3261d594771_0_45:notes"/>
+          <p:cNvSpPr txBox="1"/>
+          <p:nvPr>
+            <p:ph idx="1" type="body"/>
+          </p:nvPr>
+        </p:nvSpPr>
+        <p:spPr>
+          <a:xfrm>
+            <a:off x="685800" y="4343400"/>
+            <a:ext cx="5486400" cy="4114800"/>
+          </a:xfrm>
+          <a:prstGeom prst="rect">
+            <a:avLst/>
+          </a:prstGeom>
+        </p:spPr>
+        <p:txBody>
+          <a:bodyPr anchorCtr="0" anchor="t" bIns="91425" lIns="91425" spcFirstLastPara="1" rIns="91425" wrap="square" tIns="91425">
+            <a:noAutofit/>
+          </a:bodyPr>
+          <a:lstStyle/>
+          <a:p>
+            <a:pPr indent="0" lvl="0" marL="0" rtl="0" algn="l">
+              <a:spcBef>
+                <a:spcPts val="0"/>
+              </a:spcBef>
+              <a:spcAft>
+                <a:spcPts val="0"/>
+              </a:spcAft>
+              <a:buNone/>
+            </a:pPr>
+            <a:r>
+              <a:t/>
+            </a:r>
+            <a:endParaRPr/>
+          </a:p>
+        </p:txBody>
+      </p:sp>
+    </p:spTree>
+  </p:cSld>
+  <p:clrMapOvr>
+    <a:masterClrMapping/>
+  </p:clrMapOvr>
+</p:notes>
+</file>
+
+<file path=ppt/notesSlides/notesSlide13.xml><?xml version="1.0" encoding="utf-8"?>
+<p:notes xmlns:a="http://schemas.openxmlformats.org/drawingml/2006/main" xmlns:r="http://schemas.openxmlformats.org/officeDocument/2006/relationships" xmlns:mc="http://schemas.openxmlformats.org/markup-compatibility/2006" xmlns:mv="urn:schemas-microsoft-com:mac:vml" xmlns:p="http://schemas.openxmlformats.org/presentationml/2006/main" xmlns:c="http://schemas.openxmlformats.org/drawingml/2006/chart" xmlns:dgm="http://schemas.openxmlformats.org/drawingml/2006/diagram" xmlns:o="urn:schemas-microsoft-com:office:office" xmlns:v="urn:schemas-microsoft-com:vml" xmlns:pvml="urn:schemas-microsoft-com:office:powerpoint" xmlns:com="http://schemas.openxmlformats.org/drawingml/2006/compatibility" xmlns:p14="http://schemas.microsoft.com/office/powerpoint/2010/main" xmlns:p15="http://schemas.microsoft.com/office/powerpoint/2012/main" xmlns:ahyp="http://schemas.microsoft.com/office/drawing/2018/hyperlinkcolor" showMasterPhAnim="0" showMasterSp="0">
+  <p:cSld>
+    <p:spTree>
+      <p:nvGrpSpPr>
+        <p:cNvPr id="154" name="Shape 154"/>
+        <p:cNvGrpSpPr/>
+        <p:nvPr/>
+      </p:nvGrpSpPr>
+      <p:grpSpPr>
+        <a:xfrm>
+          <a:off x="0" y="0"/>
+          <a:ext cx="0" cy="0"/>
+          <a:chOff x="0" y="0"/>
+          <a:chExt cx="0" cy="0"/>
+        </a:xfrm>
+      </p:grpSpPr>
+      <p:sp>
+        <p:nvSpPr>
+          <p:cNvPr id="155" name="Google Shape;155;p11:notes"/>
           <p:cNvSpPr txBox="1"/>
           <p:nvPr>
             <p:ph idx="1" type="body"/>
@@ -945,7 +1145,7 @@
       </p:sp>
       <p:sp>
         <p:nvSpPr>
-          <p:cNvPr id="129" name="Google Shape;129;p11:notes"/>
+          <p:cNvPr id="156" name="Google Shape;156;p11:notes"/>
           <p:cNvSpPr/>
           <p:nvPr>
             <p:ph idx="2" type="sldImg"/>
@@ -1288,7 +1488,7 @@
   <p:cSld>
     <p:spTree>
       <p:nvGrpSpPr>
-        <p:cNvPr id="80" name="Shape 80"/>
+        <p:cNvPr id="88" name="Shape 88"/>
         <p:cNvGrpSpPr/>
         <p:nvPr/>
       </p:nvGrpSpPr>
@@ -1302,7 +1502,7 @@
       </p:grpSpPr>
       <p:sp>
         <p:nvSpPr>
-          <p:cNvPr id="81" name="Google Shape;81;g3216495a05f_1_894:notes"/>
+          <p:cNvPr id="89" name="Google Shape;89;g3216495a05f_1_894:notes"/>
           <p:cNvSpPr/>
           <p:nvPr>
             <p:ph idx="2" type="sldImg"/>
@@ -1337,7 +1537,7 @@
       </p:sp>
       <p:sp>
         <p:nvSpPr>
-          <p:cNvPr id="82" name="Google Shape;82;g3216495a05f_1_894:notes"/>
+          <p:cNvPr id="90" name="Google Shape;90;g3216495a05f_1_894:notes"/>
           <p:cNvSpPr txBox="1"/>
           <p:nvPr>
             <p:ph idx="1" type="body"/>
@@ -1387,7 +1587,7 @@
   <p:cSld>
     <p:spTree>
       <p:nvGrpSpPr>
-        <p:cNvPr id="86" name="Shape 86"/>
+        <p:cNvPr id="98" name="Shape 98"/>
         <p:cNvGrpSpPr/>
         <p:nvPr/>
       </p:nvGrpSpPr>
@@ -1401,7 +1601,7 @@
       </p:grpSpPr>
       <p:sp>
         <p:nvSpPr>
-          <p:cNvPr id="87" name="Google Shape;87;g3216495a05f_1_899:notes"/>
+          <p:cNvPr id="99" name="Google Shape;99;g3216495a05f_1_899:notes"/>
           <p:cNvSpPr/>
           <p:nvPr>
             <p:ph idx="2" type="sldImg"/>
@@ -1436,7 +1636,7 @@
       </p:sp>
       <p:sp>
         <p:nvSpPr>
-          <p:cNvPr id="88" name="Google Shape;88;g3216495a05f_1_899:notes"/>
+          <p:cNvPr id="100" name="Google Shape;100;g3216495a05f_1_899:notes"/>
           <p:cNvSpPr txBox="1"/>
           <p:nvPr>
             <p:ph idx="1" type="body"/>
@@ -1486,7 +1686,7 @@
   <p:cSld>
     <p:spTree>
       <p:nvGrpSpPr>
-        <p:cNvPr id="92" name="Shape 92"/>
+        <p:cNvPr id="108" name="Shape 108"/>
         <p:cNvGrpSpPr/>
         <p:nvPr/>
       </p:nvGrpSpPr>
@@ -1500,7 +1700,7 @@
       </p:grpSpPr>
       <p:sp>
         <p:nvSpPr>
-          <p:cNvPr id="93" name="Google Shape;93;g3216495a05f_1_904:notes"/>
+          <p:cNvPr id="109" name="Google Shape;109;g3216495a05f_1_904:notes"/>
           <p:cNvSpPr/>
           <p:nvPr>
             <p:ph idx="2" type="sldImg"/>
@@ -1535,7 +1735,7 @@
       </p:sp>
       <p:sp>
         <p:nvSpPr>
-          <p:cNvPr id="94" name="Google Shape;94;g3216495a05f_1_904:notes"/>
+          <p:cNvPr id="110" name="Google Shape;110;g3216495a05f_1_904:notes"/>
           <p:cNvSpPr txBox="1"/>
           <p:nvPr>
             <p:ph idx="1" type="body"/>
@@ -1585,7 +1785,7 @@
   <p:cSld>
     <p:spTree>
       <p:nvGrpSpPr>
-        <p:cNvPr id="98" name="Shape 98"/>
+        <p:cNvPr id="119" name="Shape 119"/>
         <p:cNvGrpSpPr/>
         <p:nvPr/>
       </p:nvGrpSpPr>
@@ -1599,7 +1799,7 @@
       </p:grpSpPr>
       <p:sp>
         <p:nvSpPr>
-          <p:cNvPr id="99" name="Google Shape;99;g3216495a05f_1_909:notes"/>
+          <p:cNvPr id="120" name="Google Shape;120;g3261d594771_0_27:notes"/>
           <p:cNvSpPr/>
           <p:nvPr>
             <p:ph idx="2" type="sldImg"/>
@@ -1634,7 +1834,7 @@
       </p:sp>
       <p:sp>
         <p:nvSpPr>
-          <p:cNvPr id="100" name="Google Shape;100;g3216495a05f_1_909:notes"/>
+          <p:cNvPr id="121" name="Google Shape;121;g3261d594771_0_27:notes"/>
           <p:cNvSpPr txBox="1"/>
           <p:nvPr>
             <p:ph idx="1" type="body"/>
@@ -1684,7 +1884,7 @@
   <p:cSld>
     <p:spTree>
       <p:nvGrpSpPr>
-        <p:cNvPr id="104" name="Shape 104"/>
+        <p:cNvPr id="126" name="Shape 126"/>
         <p:cNvGrpSpPr/>
         <p:nvPr/>
       </p:nvGrpSpPr>
@@ -1698,7 +1898,7 @@
       </p:grpSpPr>
       <p:sp>
         <p:nvSpPr>
-          <p:cNvPr id="105" name="Google Shape;105;g3216495a05f_1_920:notes"/>
+          <p:cNvPr id="127" name="Google Shape;127;g3216495a05f_1_909:notes"/>
           <p:cNvSpPr/>
           <p:nvPr>
             <p:ph idx="2" type="sldImg"/>
@@ -1733,7 +1933,7 @@
       </p:sp>
       <p:sp>
         <p:nvSpPr>
-          <p:cNvPr id="106" name="Google Shape;106;g3216495a05f_1_920:notes"/>
+          <p:cNvPr id="128" name="Google Shape;128;g3216495a05f_1_909:notes"/>
           <p:cNvSpPr txBox="1"/>
           <p:nvPr>
             <p:ph idx="1" type="body"/>
@@ -7196,7 +7396,7 @@
               <a:buNone/>
             </a:pPr>
             <a:r>
-              <a:rPr b="1" lang="zh-TW" sz="4800">
+              <a:rPr lang="zh-TW" sz="4800">
                 <a:latin typeface="Calibri"/>
                 <a:ea typeface="Calibri"/>
                 <a:cs typeface="Calibri"/>
@@ -7273,7 +7473,7 @@
   <p:cSld>
     <p:spTree>
       <p:nvGrpSpPr>
-        <p:cNvPr id="112" name="Shape 112"/>
+        <p:cNvPr id="137" name="Shape 137"/>
         <p:cNvGrpSpPr/>
         <p:nvPr/>
       </p:nvGrpSpPr>
@@ -7287,7 +7487,7 @@
       </p:grpSpPr>
       <p:sp>
         <p:nvSpPr>
-          <p:cNvPr id="113" name="Google Shape;113;p23"/>
+          <p:cNvPr id="138" name="Google Shape;138;p23"/>
           <p:cNvSpPr txBox="1"/>
           <p:nvPr>
             <p:ph type="title"/>
@@ -7319,427 +7519,40 @@
             </a:pPr>
             <a:r>
               <a:rPr lang="zh-TW"/>
-              <a:t>資料儲存</a:t>
+              <a:t>資料儲存 - mongodb atlas</a:t>
             </a:r>
             <a:endParaRPr/>
           </a:p>
         </p:txBody>
       </p:sp>
-      <p:sp>
-        <p:nvSpPr>
-          <p:cNvPr id="114" name="Google Shape;114;p23"/>
-          <p:cNvSpPr txBox="1"/>
-          <p:nvPr>
-            <p:ph idx="1" type="body"/>
-          </p:nvPr>
-        </p:nvSpPr>
-        <p:spPr>
-          <a:xfrm>
-            <a:off x="415600" y="1536633"/>
-            <a:ext cx="11360700" cy="4555200"/>
+      <p:pic>
+        <p:nvPicPr>
+          <p:cNvPr id="139" name="Google Shape;139;p23"/>
+          <p:cNvPicPr preferRelativeResize="0"/>
+          <p:nvPr/>
+        </p:nvPicPr>
+        <p:blipFill>
+          <a:blip r:embed="rId3">
+            <a:alphaModFix/>
+          </a:blip>
+          <a:stretch>
+            <a:fillRect/>
+          </a:stretch>
+        </p:blipFill>
+        <p:spPr>
+          <a:xfrm>
+            <a:off x="741500" y="1742925"/>
+            <a:ext cx="10708900" cy="4507374"/>
           </a:xfrm>
           <a:prstGeom prst="rect">
             <a:avLst/>
           </a:prstGeom>
-        </p:spPr>
-        <p:txBody>
-          <a:bodyPr anchorCtr="0" anchor="t" bIns="121900" lIns="121900" spcFirstLastPara="1" rIns="121900" wrap="square" tIns="121900">
-            <a:normAutofit/>
-          </a:bodyPr>
-          <a:lstStyle/>
-          <a:p>
-            <a:pPr indent="0" lvl="0" marL="0" rtl="0" algn="l">
-              <a:spcBef>
-                <a:spcPts val="0"/>
-              </a:spcBef>
-              <a:spcAft>
-                <a:spcPts val="1600"/>
-              </a:spcAft>
-              <a:buNone/>
-            </a:pPr>
-            <a:r>
-              <a:t/>
-            </a:r>
-            <a:endParaRPr/>
-          </a:p>
-        </p:txBody>
-      </p:sp>
-      <p:grpSp>
-        <p:nvGrpSpPr>
-          <p:cNvPr id="115" name="Google Shape;115;p23"/>
-          <p:cNvGrpSpPr/>
-          <p:nvPr/>
-        </p:nvGrpSpPr>
-        <p:grpSpPr>
-          <a:xfrm>
-            <a:off x="1126350" y="3001925"/>
-            <a:ext cx="9829525" cy="2513100"/>
-            <a:chOff x="1126350" y="3001925"/>
-            <a:chExt cx="9829525" cy="2513100"/>
-          </a:xfrm>
-        </p:grpSpPr>
-        <p:grpSp>
-          <p:nvGrpSpPr>
-            <p:cNvPr id="116" name="Google Shape;116;p23"/>
-            <p:cNvGrpSpPr/>
-            <p:nvPr/>
-          </p:nvGrpSpPr>
-          <p:grpSpPr>
-            <a:xfrm>
-              <a:off x="1126350" y="3001925"/>
-              <a:ext cx="9829525" cy="1953600"/>
-              <a:chOff x="1126350" y="3001925"/>
-              <a:chExt cx="9829525" cy="1953600"/>
-            </a:xfrm>
-          </p:grpSpPr>
-          <p:pic>
-            <p:nvPicPr>
-              <p:cNvPr id="117" name="Google Shape;117;p23"/>
-              <p:cNvPicPr preferRelativeResize="0"/>
-              <p:nvPr/>
-            </p:nvPicPr>
-            <p:blipFill>
-              <a:blip r:embed="rId3">
-                <a:alphaModFix/>
-              </a:blip>
-              <a:stretch>
-                <a:fillRect/>
-              </a:stretch>
-            </p:blipFill>
-            <p:spPr>
-              <a:xfrm>
-                <a:off x="1126350" y="3001925"/>
-                <a:ext cx="1862525" cy="1862525"/>
-              </a:xfrm>
-              <a:prstGeom prst="rect">
-                <a:avLst/>
-              </a:prstGeom>
-              <a:noFill/>
-              <a:ln>
-                <a:noFill/>
-              </a:ln>
-            </p:spPr>
-          </p:pic>
-          <p:pic>
-            <p:nvPicPr>
-              <p:cNvPr id="118" name="Google Shape;118;p23"/>
-              <p:cNvPicPr preferRelativeResize="0"/>
-              <p:nvPr/>
-            </p:nvPicPr>
-            <p:blipFill>
-              <a:blip r:embed="rId4">
-                <a:alphaModFix/>
-              </a:blip>
-              <a:stretch>
-                <a:fillRect/>
-              </a:stretch>
-            </p:blipFill>
-            <p:spPr>
-              <a:xfrm>
-                <a:off x="5114325" y="3035263"/>
-                <a:ext cx="1795850" cy="1795850"/>
-              </a:xfrm>
-              <a:prstGeom prst="rect">
-                <a:avLst/>
-              </a:prstGeom>
-              <a:noFill/>
-              <a:ln>
-                <a:noFill/>
-              </a:ln>
-            </p:spPr>
-          </p:pic>
-          <p:pic>
-            <p:nvPicPr>
-              <p:cNvPr id="119" name="Google Shape;119;p23"/>
-              <p:cNvPicPr preferRelativeResize="0"/>
-              <p:nvPr/>
-            </p:nvPicPr>
-            <p:blipFill>
-              <a:blip r:embed="rId5">
-                <a:alphaModFix/>
-              </a:blip>
-              <a:stretch>
-                <a:fillRect/>
-              </a:stretch>
-            </p:blipFill>
-            <p:spPr>
-              <a:xfrm>
-                <a:off x="9035625" y="3035275"/>
-                <a:ext cx="1920250" cy="1920250"/>
-              </a:xfrm>
-              <a:prstGeom prst="rect">
-                <a:avLst/>
-              </a:prstGeom>
-              <a:noFill/>
-              <a:ln>
-                <a:noFill/>
-              </a:ln>
-            </p:spPr>
-          </p:pic>
-          <p:pic>
-            <p:nvPicPr>
-              <p:cNvPr id="120" name="Google Shape;120;p23"/>
-              <p:cNvPicPr preferRelativeResize="0"/>
-              <p:nvPr/>
-            </p:nvPicPr>
-            <p:blipFill>
-              <a:blip r:embed="rId6">
-                <a:alphaModFix/>
-              </a:blip>
-              <a:stretch>
-                <a:fillRect/>
-              </a:stretch>
-            </p:blipFill>
-            <p:spPr>
-              <a:xfrm>
-                <a:off x="3364625" y="3096650"/>
-                <a:ext cx="1260275" cy="882875"/>
-              </a:xfrm>
-              <a:prstGeom prst="rect">
-                <a:avLst/>
-              </a:prstGeom>
-              <a:noFill/>
-              <a:ln>
-                <a:noFill/>
-              </a:ln>
-            </p:spPr>
-          </p:pic>
-          <p:pic>
-            <p:nvPicPr>
-              <p:cNvPr id="121" name="Google Shape;121;p23"/>
-              <p:cNvPicPr preferRelativeResize="0"/>
-              <p:nvPr/>
-            </p:nvPicPr>
-            <p:blipFill>
-              <a:blip r:embed="rId6">
-                <a:alphaModFix/>
-              </a:blip>
-              <a:stretch>
-                <a:fillRect/>
-              </a:stretch>
-            </p:blipFill>
-            <p:spPr>
-              <a:xfrm>
-                <a:off x="7399600" y="3096650"/>
-                <a:ext cx="1260275" cy="882875"/>
-              </a:xfrm>
-              <a:prstGeom prst="rect">
-                <a:avLst/>
-              </a:prstGeom>
-              <a:noFill/>
-              <a:ln>
-                <a:noFill/>
-              </a:ln>
-            </p:spPr>
-          </p:pic>
-          <p:pic>
-            <p:nvPicPr>
-              <p:cNvPr id="122" name="Google Shape;122;p23"/>
-              <p:cNvPicPr preferRelativeResize="0"/>
-              <p:nvPr/>
-            </p:nvPicPr>
-            <p:blipFill>
-              <a:blip r:embed="rId6">
-                <a:alphaModFix/>
-              </a:blip>
-              <a:stretch>
-                <a:fillRect/>
-              </a:stretch>
-            </p:blipFill>
-            <p:spPr>
-              <a:xfrm rot="10800000">
-                <a:off x="3421463" y="3687750"/>
-                <a:ext cx="1260275" cy="882875"/>
-              </a:xfrm>
-              <a:prstGeom prst="rect">
-                <a:avLst/>
-              </a:prstGeom>
-              <a:noFill/>
-              <a:ln>
-                <a:noFill/>
-              </a:ln>
-            </p:spPr>
-          </p:pic>
-          <p:pic>
-            <p:nvPicPr>
-              <p:cNvPr id="123" name="Google Shape;123;p23"/>
-              <p:cNvPicPr preferRelativeResize="0"/>
-              <p:nvPr/>
-            </p:nvPicPr>
-            <p:blipFill>
-              <a:blip r:embed="rId6">
-                <a:alphaModFix/>
-              </a:blip>
-              <a:stretch>
-                <a:fillRect/>
-              </a:stretch>
-            </p:blipFill>
-            <p:spPr>
-              <a:xfrm rot="10800000">
-                <a:off x="7399588" y="3762050"/>
-                <a:ext cx="1260275" cy="882875"/>
-              </a:xfrm>
-              <a:prstGeom prst="rect">
-                <a:avLst/>
-              </a:prstGeom>
-              <a:noFill/>
-              <a:ln>
-                <a:noFill/>
-              </a:ln>
-            </p:spPr>
-          </p:pic>
-        </p:grpSp>
-        <p:sp>
-          <p:nvSpPr>
-            <p:cNvPr id="124" name="Google Shape;124;p23"/>
-            <p:cNvSpPr txBox="1"/>
-            <p:nvPr/>
-          </p:nvSpPr>
-          <p:spPr>
-            <a:xfrm>
-              <a:off x="1605800" y="4955525"/>
-              <a:ext cx="846000" cy="559500"/>
-            </a:xfrm>
-            <a:prstGeom prst="rect">
-              <a:avLst/>
-            </a:prstGeom>
+          <a:noFill/>
+          <a:ln>
             <a:noFill/>
-            <a:ln>
-              <a:noFill/>
-            </a:ln>
-          </p:spPr>
-          <p:txBody>
-            <a:bodyPr anchorCtr="0" anchor="t" bIns="91425" lIns="91425" spcFirstLastPara="1" rIns="91425" wrap="square" tIns="91425">
-              <a:noAutofit/>
-            </a:bodyPr>
-            <a:lstStyle/>
-            <a:p>
-              <a:pPr indent="0" lvl="0" marL="0" rtl="0" algn="l">
-                <a:spcBef>
-                  <a:spcPts val="0"/>
-                </a:spcBef>
-                <a:spcAft>
-                  <a:spcPts val="0"/>
-                </a:spcAft>
-                <a:buNone/>
-              </a:pPr>
-              <a:r>
-                <a:rPr lang="zh-TW" sz="2400">
-                  <a:solidFill>
-                    <a:schemeClr val="dk2"/>
-                  </a:solidFill>
-                </a:rPr>
-                <a:t>前端</a:t>
-              </a:r>
-              <a:endParaRPr sz="2400">
-                <a:solidFill>
-                  <a:schemeClr val="dk2"/>
-                </a:solidFill>
-              </a:endParaRPr>
-            </a:p>
-          </p:txBody>
-        </p:sp>
-        <p:sp>
-          <p:nvSpPr>
-            <p:cNvPr id="125" name="Google Shape;125;p23"/>
-            <p:cNvSpPr txBox="1"/>
-            <p:nvPr/>
-          </p:nvSpPr>
-          <p:spPr>
-            <a:xfrm>
-              <a:off x="5672950" y="4955525"/>
-              <a:ext cx="846000" cy="559500"/>
-            </a:xfrm>
-            <a:prstGeom prst="rect">
-              <a:avLst/>
-            </a:prstGeom>
-            <a:noFill/>
-            <a:ln>
-              <a:noFill/>
-            </a:ln>
-          </p:spPr>
-          <p:txBody>
-            <a:bodyPr anchorCtr="0" anchor="t" bIns="91425" lIns="91425" spcFirstLastPara="1" rIns="91425" wrap="square" tIns="91425">
-              <a:noAutofit/>
-            </a:bodyPr>
-            <a:lstStyle/>
-            <a:p>
-              <a:pPr indent="0" lvl="0" marL="0" rtl="0" algn="l">
-                <a:spcBef>
-                  <a:spcPts val="0"/>
-                </a:spcBef>
-                <a:spcAft>
-                  <a:spcPts val="0"/>
-                </a:spcAft>
-                <a:buNone/>
-              </a:pPr>
-              <a:r>
-                <a:rPr lang="zh-TW" sz="2400">
-                  <a:solidFill>
-                    <a:schemeClr val="dk2"/>
-                  </a:solidFill>
-                </a:rPr>
-                <a:t>後端</a:t>
-              </a:r>
-              <a:endParaRPr sz="2400">
-                <a:solidFill>
-                  <a:schemeClr val="dk2"/>
-                </a:solidFill>
-              </a:endParaRPr>
-            </a:p>
-          </p:txBody>
-        </p:sp>
-        <p:sp>
-          <p:nvSpPr>
-            <p:cNvPr id="126" name="Google Shape;126;p23"/>
-            <p:cNvSpPr txBox="1"/>
-            <p:nvPr/>
-          </p:nvSpPr>
-          <p:spPr>
-            <a:xfrm>
-              <a:off x="9224050" y="4955525"/>
-              <a:ext cx="1191600" cy="559500"/>
-            </a:xfrm>
-            <a:prstGeom prst="rect">
-              <a:avLst/>
-            </a:prstGeom>
-            <a:noFill/>
-            <a:ln>
-              <a:noFill/>
-            </a:ln>
-          </p:spPr>
-          <p:txBody>
-            <a:bodyPr anchorCtr="0" anchor="t" bIns="91425" lIns="91425" spcFirstLastPara="1" rIns="91425" wrap="square" tIns="91425">
-              <a:noAutofit/>
-            </a:bodyPr>
-            <a:lstStyle/>
-            <a:p>
-              <a:pPr indent="0" lvl="0" marL="0" rtl="0" algn="l">
-                <a:spcBef>
-                  <a:spcPts val="0"/>
-                </a:spcBef>
-                <a:spcAft>
-                  <a:spcPts val="0"/>
-                </a:spcAft>
-                <a:buNone/>
-              </a:pPr>
-              <a:r>
-                <a:rPr lang="zh-TW" sz="2400">
-                  <a:solidFill>
-                    <a:schemeClr val="dk2"/>
-                  </a:solidFill>
-                </a:rPr>
-                <a:t>資料庫</a:t>
-              </a:r>
-              <a:endParaRPr sz="2400">
-                <a:solidFill>
-                  <a:schemeClr val="dk2"/>
-                </a:solidFill>
-              </a:endParaRPr>
-            </a:p>
-          </p:txBody>
-        </p:sp>
-      </p:grpSp>
+          </a:ln>
+        </p:spPr>
+      </p:pic>
     </p:spTree>
   </p:cSld>
   <p:clrMapOvr>
@@ -7753,7 +7566,7 @@
   <p:cSld>
     <p:spTree>
       <p:nvGrpSpPr>
-        <p:cNvPr id="130" name="Shape 130"/>
+        <p:cNvPr id="143" name="Shape 143"/>
         <p:cNvGrpSpPr/>
         <p:nvPr/>
       </p:nvGrpSpPr>
@@ -7767,7 +7580,321 @@
       </p:grpSpPr>
       <p:sp>
         <p:nvSpPr>
-          <p:cNvPr id="131" name="Google Shape;131;p24"/>
+          <p:cNvPr id="144" name="Google Shape;144;p24"/>
+          <p:cNvSpPr txBox="1"/>
+          <p:nvPr>
+            <p:ph type="title"/>
+          </p:nvPr>
+        </p:nvSpPr>
+        <p:spPr>
+          <a:xfrm>
+            <a:off x="415600" y="2867800"/>
+            <a:ext cx="11360700" cy="1122300"/>
+          </a:xfrm>
+          <a:prstGeom prst="rect">
+            <a:avLst/>
+          </a:prstGeom>
+        </p:spPr>
+        <p:txBody>
+          <a:bodyPr anchorCtr="0" anchor="ctr" bIns="121900" lIns="121900" spcFirstLastPara="1" rIns="121900" wrap="square" tIns="121900">
+            <a:normAutofit/>
+          </a:bodyPr>
+          <a:lstStyle/>
+          <a:p>
+            <a:pPr indent="0" lvl="0" marL="0" rtl="0" algn="ctr">
+              <a:spcBef>
+                <a:spcPts val="0"/>
+              </a:spcBef>
+              <a:spcAft>
+                <a:spcPts val="0"/>
+              </a:spcAft>
+              <a:buNone/>
+            </a:pPr>
+            <a:r>
+              <a:rPr lang="zh-TW"/>
+              <a:t>遭遇問題(景點資料哪裡找?)</a:t>
+            </a:r>
+            <a:endParaRPr/>
+          </a:p>
+        </p:txBody>
+      </p:sp>
+    </p:spTree>
+  </p:cSld>
+  <p:clrMapOvr>
+    <a:masterClrMapping/>
+  </p:clrMapOvr>
+</p:sld>
+</file>
+
+<file path=ppt/slides/slide12.xml><?xml version="1.0" encoding="utf-8"?>
+<p:sld xmlns:a="http://schemas.openxmlformats.org/drawingml/2006/main" xmlns:r="http://schemas.openxmlformats.org/officeDocument/2006/relationships" xmlns:mc="http://schemas.openxmlformats.org/markup-compatibility/2006" xmlns:mv="urn:schemas-microsoft-com:mac:vml" xmlns:p="http://schemas.openxmlformats.org/presentationml/2006/main" xmlns:c="http://schemas.openxmlformats.org/drawingml/2006/chart" xmlns:dgm="http://schemas.openxmlformats.org/drawingml/2006/diagram" xmlns:o="urn:schemas-microsoft-com:office:office" xmlns:v="urn:schemas-microsoft-com:vml" xmlns:pvml="urn:schemas-microsoft-com:office:powerpoint" xmlns:com="http://schemas.openxmlformats.org/drawingml/2006/compatibility" xmlns:p14="http://schemas.microsoft.com/office/powerpoint/2010/main" xmlns:p15="http://schemas.microsoft.com/office/powerpoint/2012/main" xmlns:ahyp="http://schemas.microsoft.com/office/drawing/2018/hyperlinkcolor">
+  <p:cSld>
+    <p:spTree>
+      <p:nvGrpSpPr>
+        <p:cNvPr id="148" name="Shape 148"/>
+        <p:cNvGrpSpPr/>
+        <p:nvPr/>
+      </p:nvGrpSpPr>
+      <p:grpSpPr>
+        <a:xfrm>
+          <a:off x="0" y="0"/>
+          <a:ext cx="0" cy="0"/>
+          <a:chOff x="0" y="0"/>
+          <a:chExt cx="0" cy="0"/>
+        </a:xfrm>
+      </p:grpSpPr>
+      <p:sp>
+        <p:nvSpPr>
+          <p:cNvPr id="149" name="Google Shape;149;p25"/>
+          <p:cNvSpPr txBox="1"/>
+          <p:nvPr>
+            <p:ph type="title"/>
+          </p:nvPr>
+        </p:nvSpPr>
+        <p:spPr>
+          <a:xfrm>
+            <a:off x="415600" y="593367"/>
+            <a:ext cx="11360700" cy="763500"/>
+          </a:xfrm>
+          <a:prstGeom prst="rect">
+            <a:avLst/>
+          </a:prstGeom>
+        </p:spPr>
+        <p:txBody>
+          <a:bodyPr anchorCtr="0" anchor="t" bIns="121900" lIns="121900" spcFirstLastPara="1" rIns="121900" wrap="square" tIns="121900">
+            <a:normAutofit fontScale="90000"/>
+          </a:bodyPr>
+          <a:lstStyle/>
+          <a:p>
+            <a:pPr indent="0" lvl="0" marL="0" rtl="0" algn="l">
+              <a:spcBef>
+                <a:spcPts val="0"/>
+              </a:spcBef>
+              <a:spcAft>
+                <a:spcPts val="0"/>
+              </a:spcAft>
+              <a:buNone/>
+            </a:pPr>
+            <a:r>
+              <a:rPr lang="zh-TW"/>
+              <a:t>解決方法- 去政府資料開放平台找資料集</a:t>
+            </a:r>
+            <a:endParaRPr/>
+          </a:p>
+        </p:txBody>
+      </p:sp>
+      <p:pic>
+        <p:nvPicPr>
+          <p:cNvPr id="150" name="Google Shape;150;p25"/>
+          <p:cNvPicPr preferRelativeResize="0"/>
+          <p:nvPr/>
+        </p:nvPicPr>
+        <p:blipFill>
+          <a:blip r:embed="rId3">
+            <a:alphaModFix/>
+          </a:blip>
+          <a:stretch>
+            <a:fillRect/>
+          </a:stretch>
+        </p:blipFill>
+        <p:spPr>
+          <a:xfrm>
+            <a:off x="652775" y="1356875"/>
+            <a:ext cx="10309151" cy="4777050"/>
+          </a:xfrm>
+          <a:prstGeom prst="rect">
+            <a:avLst/>
+          </a:prstGeom>
+          <a:noFill/>
+          <a:ln>
+            <a:noFill/>
+          </a:ln>
+        </p:spPr>
+      </p:pic>
+      <p:sp>
+        <p:nvSpPr>
+          <p:cNvPr id="151" name="Google Shape;151;p25"/>
+          <p:cNvSpPr txBox="1"/>
+          <p:nvPr/>
+        </p:nvSpPr>
+        <p:spPr>
+          <a:xfrm>
+            <a:off x="3198025" y="6217800"/>
+            <a:ext cx="5504100" cy="640200"/>
+          </a:xfrm>
+          <a:prstGeom prst="rect">
+            <a:avLst/>
+          </a:prstGeom>
+          <a:noFill/>
+          <a:ln>
+            <a:noFill/>
+          </a:ln>
+        </p:spPr>
+        <p:txBody>
+          <a:bodyPr anchorCtr="0" anchor="t" bIns="91425" lIns="91425" spcFirstLastPara="1" rIns="91425" wrap="square" tIns="91425">
+            <a:noAutofit/>
+          </a:bodyPr>
+          <a:lstStyle/>
+          <a:p>
+            <a:pPr indent="0" lvl="0" marL="0" rtl="0" algn="l">
+              <a:spcBef>
+                <a:spcPts val="0"/>
+              </a:spcBef>
+              <a:spcAft>
+                <a:spcPts val="0"/>
+              </a:spcAft>
+              <a:buNone/>
+            </a:pPr>
+            <a:r>
+              <a:rPr lang="zh-TW" sz="2400">
+                <a:solidFill>
+                  <a:schemeClr val="dk2"/>
+                </a:solidFill>
+              </a:rPr>
+              <a:t>連結: </a:t>
+            </a:r>
+            <a:r>
+              <a:rPr lang="zh-TW" sz="2400" u="sng">
+                <a:solidFill>
+                  <a:schemeClr val="hlink"/>
+                </a:solidFill>
+                <a:hlinkClick r:id="rId4"/>
+              </a:rPr>
+              <a:t>https://data.gov.tw/dataset/7777</a:t>
+            </a:r>
+            <a:endParaRPr sz="2400">
+              <a:solidFill>
+                <a:schemeClr val="dk2"/>
+              </a:solidFill>
+            </a:endParaRPr>
+          </a:p>
+        </p:txBody>
+      </p:sp>
+      <p:sp>
+        <p:nvSpPr>
+          <p:cNvPr id="152" name="Google Shape;152;p25"/>
+          <p:cNvSpPr/>
+          <p:nvPr/>
+        </p:nvSpPr>
+        <p:spPr>
+          <a:xfrm>
+            <a:off x="3606475" y="4845750"/>
+            <a:ext cx="469800" cy="247800"/>
+          </a:xfrm>
+          <a:prstGeom prst="rect">
+            <a:avLst/>
+          </a:prstGeom>
+          <a:noFill/>
+          <a:ln cap="flat" cmpd="sng" w="28575">
+            <a:solidFill>
+              <a:srgbClr val="FF0000"/>
+            </a:solidFill>
+            <a:prstDash val="solid"/>
+            <a:round/>
+            <a:headEnd len="sm" w="sm" type="none"/>
+            <a:tailEnd len="sm" w="sm" type="none"/>
+          </a:ln>
+        </p:spPr>
+        <p:txBody>
+          <a:bodyPr anchorCtr="0" anchor="ctr" bIns="91425" lIns="91425" spcFirstLastPara="1" rIns="91425" wrap="square" tIns="91425">
+            <a:noAutofit/>
+          </a:bodyPr>
+          <a:lstStyle/>
+          <a:p>
+            <a:pPr indent="0" lvl="0" marL="0" rtl="0" algn="ctr">
+              <a:spcBef>
+                <a:spcPts val="0"/>
+              </a:spcBef>
+              <a:spcAft>
+                <a:spcPts val="0"/>
+              </a:spcAft>
+              <a:buNone/>
+            </a:pPr>
+            <a:r>
+              <a:t/>
+            </a:r>
+            <a:endParaRPr/>
+          </a:p>
+        </p:txBody>
+      </p:sp>
+      <p:sp>
+        <p:nvSpPr>
+          <p:cNvPr id="153" name="Google Shape;153;p25"/>
+          <p:cNvSpPr txBox="1"/>
+          <p:nvPr/>
+        </p:nvSpPr>
+        <p:spPr>
+          <a:xfrm>
+            <a:off x="2251675" y="4708050"/>
+            <a:ext cx="1354800" cy="523200"/>
+          </a:xfrm>
+          <a:prstGeom prst="rect">
+            <a:avLst/>
+          </a:prstGeom>
+          <a:noFill/>
+          <a:ln>
+            <a:noFill/>
+          </a:ln>
+        </p:spPr>
+        <p:txBody>
+          <a:bodyPr anchorCtr="0" anchor="t" bIns="91425" lIns="91425" spcFirstLastPara="1" rIns="91425" wrap="square" tIns="91425">
+            <a:spAutoFit/>
+          </a:bodyPr>
+          <a:lstStyle/>
+          <a:p>
+            <a:pPr indent="0" lvl="0" marL="0" rtl="0" algn="l">
+              <a:spcBef>
+                <a:spcPts val="0"/>
+              </a:spcBef>
+              <a:spcAft>
+                <a:spcPts val="0"/>
+              </a:spcAft>
+              <a:buNone/>
+            </a:pPr>
+            <a:r>
+              <a:rPr b="1" lang="zh-TW" sz="2200">
+                <a:solidFill>
+                  <a:srgbClr val="FF0000"/>
+                </a:solidFill>
+              </a:rPr>
+              <a:t>資料來源</a:t>
+            </a:r>
+            <a:endParaRPr b="1" sz="2200">
+              <a:solidFill>
+                <a:srgbClr val="FF0000"/>
+              </a:solidFill>
+            </a:endParaRPr>
+          </a:p>
+        </p:txBody>
+      </p:sp>
+    </p:spTree>
+  </p:cSld>
+  <p:clrMapOvr>
+    <a:masterClrMapping/>
+  </p:clrMapOvr>
+</p:sld>
+</file>
+
+<file path=ppt/slides/slide13.xml><?xml version="1.0" encoding="utf-8"?>
+<p:sld xmlns:a="http://schemas.openxmlformats.org/drawingml/2006/main" xmlns:r="http://schemas.openxmlformats.org/officeDocument/2006/relationships" xmlns:mc="http://schemas.openxmlformats.org/markup-compatibility/2006" xmlns:mv="urn:schemas-microsoft-com:mac:vml" xmlns:p="http://schemas.openxmlformats.org/presentationml/2006/main" xmlns:c="http://schemas.openxmlformats.org/drawingml/2006/chart" xmlns:dgm="http://schemas.openxmlformats.org/drawingml/2006/diagram" xmlns:o="urn:schemas-microsoft-com:office:office" xmlns:v="urn:schemas-microsoft-com:vml" xmlns:pvml="urn:schemas-microsoft-com:office:powerpoint" xmlns:com="http://schemas.openxmlformats.org/drawingml/2006/compatibility" xmlns:p14="http://schemas.microsoft.com/office/powerpoint/2010/main" xmlns:p15="http://schemas.microsoft.com/office/powerpoint/2012/main" xmlns:ahyp="http://schemas.microsoft.com/office/drawing/2018/hyperlinkcolor">
+  <p:cSld>
+    <p:spTree>
+      <p:nvGrpSpPr>
+        <p:cNvPr id="157" name="Shape 157"/>
+        <p:cNvGrpSpPr/>
+        <p:nvPr/>
+      </p:nvGrpSpPr>
+      <p:grpSpPr>
+        <a:xfrm>
+          <a:off x="0" y="0"/>
+          <a:ext cx="0" cy="0"/>
+          <a:chOff x="0" y="0"/>
+          <a:chExt cx="0" cy="0"/>
+        </a:xfrm>
+      </p:grpSpPr>
+      <p:sp>
+        <p:nvSpPr>
+          <p:cNvPr id="158" name="Google Shape;158;p26"/>
           <p:cNvSpPr txBox="1"/>
           <p:nvPr>
             <p:ph type="title"/>
@@ -7816,7 +7943,7 @@
       </p:sp>
       <p:sp>
         <p:nvSpPr>
-          <p:cNvPr id="132" name="Google Shape;132;p24"/>
+          <p:cNvPr id="159" name="Google Shape;159;p26"/>
           <p:cNvSpPr txBox="1"/>
           <p:nvPr>
             <p:ph idx="1" type="body"/>
@@ -7841,6 +7968,21 @@
           </a:bodyPr>
           <a:lstStyle/>
           <a:p>
+            <a:pPr indent="0" lvl="0" marL="285750" rtl="0" algn="l">
+              <a:spcBef>
+                <a:spcPts val="0"/>
+              </a:spcBef>
+              <a:spcAft>
+                <a:spcPts val="0"/>
+              </a:spcAft>
+              <a:buNone/>
+            </a:pPr>
+            <a:r>
+              <a:t/>
+            </a:r>
+            <a:endParaRPr/>
+          </a:p>
+          <a:p>
             <a:pPr indent="-285750" lvl="0" marL="285750" rtl="0" algn="l">
               <a:spcBef>
                 <a:spcPts val="0"/>
@@ -7852,28 +7994,20 @@
               <a:buChar char="●"/>
             </a:pPr>
             <a:r>
-              <a:rPr lang="zh-TW"/>
-              <a:t>吳哲宇:</a:t>
+              <a:rPr b="1" lang="zh-TW"/>
+              <a:t>01257003 </a:t>
+            </a:r>
+            <a:r>
+              <a:rPr b="1" lang="zh-TW"/>
+              <a:t>吳哲宇</a:t>
             </a:r>
             <a:r>
               <a:rPr lang="zh-TW"/>
-              <a:t> </a:t>
+              <a:t>:</a:t>
             </a:r>
-            <a:endParaRPr/>
-          </a:p>
-          <a:p>
-            <a:pPr indent="0" lvl="0" marL="285750" rtl="0" algn="l">
-              <a:spcBef>
-                <a:spcPts val="0"/>
-              </a:spcBef>
-              <a:spcAft>
-                <a:spcPts val="0"/>
-              </a:spcAft>
-              <a:buNone/>
-            </a:pPr>
             <a:r>
               <a:rPr lang="zh-TW"/>
-              <a:t>網站規劃、資料收集(找資料集, 清洗)、</a:t>
+              <a:t>  網站規劃、資料收集(找資料集, 清洗資料)、</a:t>
             </a:r>
             <a:endParaRPr/>
           </a:p>
@@ -7925,7 +8059,22 @@
             </a:pPr>
             <a:r>
               <a:rPr lang="zh-TW"/>
-              <a:t>後端、資料庫</a:t>
+              <a:t>後端(node.js+express)、資料庫(mongodb atlas)</a:t>
+            </a:r>
+            <a:endParaRPr/>
+          </a:p>
+          <a:p>
+            <a:pPr indent="0" lvl="0" marL="285750" rtl="0" algn="l">
+              <a:spcBef>
+                <a:spcPts val="0"/>
+              </a:spcBef>
+              <a:spcAft>
+                <a:spcPts val="0"/>
+              </a:spcAft>
+              <a:buNone/>
+            </a:pPr>
+            <a:r>
+              <a:t/>
             </a:r>
             <a:endParaRPr/>
           </a:p>
@@ -7941,8 +8090,32 @@
               <a:buChar char="●"/>
             </a:pPr>
             <a:r>
+              <a:rPr b="1" lang="zh-TW"/>
+              <a:t>01257025 </a:t>
+            </a:r>
+            <a:r>
+              <a:rPr b="1" lang="zh-TW"/>
+              <a:t>陳冠邑</a:t>
+            </a:r>
+            <a:r>
               <a:rPr lang="zh-TW"/>
-              <a:t>陳冠邑:css.html</a:t>
+              <a:t>:</a:t>
+            </a:r>
+            <a:r>
+              <a:rPr lang="zh-TW"/>
+              <a:t>  </a:t>
+            </a:r>
+            <a:r>
+              <a:rPr lang="zh-TW"/>
+              <a:t>html、</a:t>
+            </a:r>
+            <a:r>
+              <a:rPr lang="zh-TW"/>
+              <a:t>css</a:t>
+            </a:r>
+            <a:r>
+              <a:rPr lang="zh-TW"/>
+              <a:t>、資料收集</a:t>
             </a:r>
             <a:endParaRPr/>
           </a:p>
@@ -8301,9 +8474,37 @@
           <a:chExt cx="0" cy="0"/>
         </a:xfrm>
       </p:grpSpPr>
+      <p:pic>
+        <p:nvPicPr>
+          <p:cNvPr id="78" name="Google Shape;78;p17"/>
+          <p:cNvPicPr preferRelativeResize="0"/>
+          <p:nvPr/>
+        </p:nvPicPr>
+        <p:blipFill>
+          <a:blip r:embed="rId3">
+            <a:alphaModFix/>
+          </a:blip>
+          <a:stretch>
+            <a:fillRect/>
+          </a:stretch>
+        </p:blipFill>
+        <p:spPr>
+          <a:xfrm>
+            <a:off x="242638" y="1356875"/>
+            <a:ext cx="11706726" cy="5276050"/>
+          </a:xfrm>
+          <a:prstGeom prst="rect">
+            <a:avLst/>
+          </a:prstGeom>
+          <a:noFill/>
+          <a:ln>
+            <a:noFill/>
+          </a:ln>
+        </p:spPr>
+      </p:pic>
       <p:sp>
         <p:nvSpPr>
-          <p:cNvPr id="78" name="Google Shape;78;p17"/>
+          <p:cNvPr id="79" name="Google Shape;79;p17"/>
           <p:cNvSpPr txBox="1"/>
           <p:nvPr>
             <p:ph type="title"/>
@@ -8343,33 +8544,41 @@
       </p:sp>
       <p:sp>
         <p:nvSpPr>
-          <p:cNvPr id="79" name="Google Shape;79;p17"/>
-          <p:cNvSpPr txBox="1"/>
-          <p:nvPr>
-            <p:ph idx="1" type="body"/>
-          </p:nvPr>
+          <p:cNvPr id="80" name="Google Shape;80;p17"/>
+          <p:cNvSpPr/>
+          <p:nvPr/>
         </p:nvSpPr>
         <p:spPr>
           <a:xfrm>
-            <a:off x="415600" y="1536633"/>
-            <a:ext cx="11360700" cy="4555200"/>
+            <a:off x="3219450" y="1481000"/>
+            <a:ext cx="5634900" cy="403500"/>
           </a:xfrm>
           <a:prstGeom prst="rect">
             <a:avLst/>
           </a:prstGeom>
+          <a:noFill/>
+          <a:ln cap="flat" cmpd="sng" w="28575">
+            <a:solidFill>
+              <a:srgbClr val="FF0000"/>
+            </a:solidFill>
+            <a:prstDash val="solid"/>
+            <a:round/>
+            <a:headEnd len="sm" w="sm" type="none"/>
+            <a:tailEnd len="sm" w="sm" type="none"/>
+          </a:ln>
         </p:spPr>
         <p:txBody>
-          <a:bodyPr anchorCtr="0" anchor="t" bIns="121900" lIns="121900" spcFirstLastPara="1" rIns="121900" wrap="square" tIns="121900">
-            <a:normAutofit/>
+          <a:bodyPr anchorCtr="0" anchor="ctr" bIns="91425" lIns="91425" spcFirstLastPara="1" rIns="91425" wrap="square" tIns="91425">
+            <a:noAutofit/>
           </a:bodyPr>
           <a:lstStyle/>
           <a:p>
-            <a:pPr indent="0" lvl="0" marL="0" rtl="0" algn="l">
-              <a:spcBef>
-                <a:spcPts val="0"/>
-              </a:spcBef>
-              <a:spcAft>
-                <a:spcPts val="1600"/>
+            <a:pPr indent="0" lvl="0" marL="0" rtl="0" algn="ctr">
+              <a:spcBef>
+                <a:spcPts val="0"/>
+              </a:spcBef>
+              <a:spcAft>
+                <a:spcPts val="0"/>
               </a:spcAft>
               <a:buNone/>
             </a:pPr>
@@ -8377,6 +8586,327 @@
               <a:t/>
             </a:r>
             <a:endParaRPr/>
+          </a:p>
+        </p:txBody>
+      </p:sp>
+      <p:sp>
+        <p:nvSpPr>
+          <p:cNvPr id="81" name="Google Shape;81;p17"/>
+          <p:cNvSpPr/>
+          <p:nvPr/>
+        </p:nvSpPr>
+        <p:spPr>
+          <a:xfrm>
+            <a:off x="9010375" y="1481000"/>
+            <a:ext cx="663900" cy="403500"/>
+          </a:xfrm>
+          <a:prstGeom prst="rect">
+            <a:avLst/>
+          </a:prstGeom>
+          <a:noFill/>
+          <a:ln cap="flat" cmpd="sng" w="28575">
+            <a:solidFill>
+              <a:srgbClr val="FF0000"/>
+            </a:solidFill>
+            <a:prstDash val="solid"/>
+            <a:round/>
+            <a:headEnd len="sm" w="sm" type="none"/>
+            <a:tailEnd len="sm" w="sm" type="none"/>
+          </a:ln>
+        </p:spPr>
+        <p:txBody>
+          <a:bodyPr anchorCtr="0" anchor="ctr" bIns="91425" lIns="91425" spcFirstLastPara="1" rIns="91425" wrap="square" tIns="91425">
+            <a:noAutofit/>
+          </a:bodyPr>
+          <a:lstStyle/>
+          <a:p>
+            <a:pPr indent="0" lvl="0" marL="0" rtl="0" algn="ctr">
+              <a:spcBef>
+                <a:spcPts val="0"/>
+              </a:spcBef>
+              <a:spcAft>
+                <a:spcPts val="0"/>
+              </a:spcAft>
+              <a:buNone/>
+            </a:pPr>
+            <a:r>
+              <a:t/>
+            </a:r>
+            <a:endParaRPr/>
+          </a:p>
+        </p:txBody>
+      </p:sp>
+      <p:grpSp>
+        <p:nvGrpSpPr>
+          <p:cNvPr id="82" name="Google Shape;82;p17"/>
+          <p:cNvGrpSpPr/>
+          <p:nvPr/>
+        </p:nvGrpSpPr>
+        <p:grpSpPr>
+          <a:xfrm>
+            <a:off x="2921992" y="1884586"/>
+            <a:ext cx="6420305" cy="763537"/>
+            <a:chOff x="2766838" y="1884500"/>
+            <a:chExt cx="6575487" cy="814179"/>
+          </a:xfrm>
+        </p:grpSpPr>
+        <p:cxnSp>
+          <p:nvCxnSpPr>
+            <p:cNvPr id="83" name="Google Shape;83;p17"/>
+            <p:cNvCxnSpPr/>
+            <p:nvPr/>
+          </p:nvCxnSpPr>
+          <p:spPr>
+            <a:xfrm flipH="1">
+              <a:off x="2881225" y="1884500"/>
+              <a:ext cx="6461100" cy="741600"/>
+            </a:xfrm>
+            <a:prstGeom prst="straightConnector1">
+              <a:avLst/>
+            </a:prstGeom>
+            <a:noFill/>
+            <a:ln cap="flat" cmpd="sng" w="28575">
+              <a:solidFill>
+                <a:srgbClr val="FF0000"/>
+              </a:solidFill>
+              <a:prstDash val="solid"/>
+              <a:round/>
+              <a:headEnd len="med" w="med" type="none"/>
+              <a:tailEnd len="med" w="med" type="none"/>
+            </a:ln>
+          </p:spPr>
+        </p:cxnSp>
+        <p:sp>
+          <p:nvSpPr>
+            <p:cNvPr id="84" name="Google Shape;84;p17"/>
+            <p:cNvSpPr/>
+            <p:nvPr/>
+          </p:nvSpPr>
+          <p:spPr>
+            <a:xfrm rot="1146185">
+              <a:off x="2784554" y="2550795"/>
+              <a:ext cx="130168" cy="130168"/>
+            </a:xfrm>
+            <a:prstGeom prst="triangle">
+              <a:avLst>
+                <a:gd fmla="val 50000" name="adj"/>
+              </a:avLst>
+            </a:prstGeom>
+            <a:solidFill>
+              <a:srgbClr val="FF0000"/>
+            </a:solidFill>
+            <a:ln cap="flat" cmpd="sng" w="9525">
+              <a:solidFill>
+                <a:srgbClr val="FF0000"/>
+              </a:solidFill>
+              <a:prstDash val="solid"/>
+              <a:round/>
+              <a:headEnd len="sm" w="sm" type="none"/>
+              <a:tailEnd len="sm" w="sm" type="none"/>
+            </a:ln>
+          </p:spPr>
+          <p:txBody>
+            <a:bodyPr anchorCtr="0" anchor="ctr" bIns="91425" lIns="91425" spcFirstLastPara="1" rIns="91425" wrap="square" tIns="91425">
+              <a:noAutofit/>
+            </a:bodyPr>
+            <a:lstStyle/>
+            <a:p>
+              <a:pPr indent="0" lvl="0" marL="0" rtl="0" algn="ctr">
+                <a:spcBef>
+                  <a:spcPts val="0"/>
+                </a:spcBef>
+                <a:spcAft>
+                  <a:spcPts val="0"/>
+                </a:spcAft>
+                <a:buNone/>
+              </a:pPr>
+              <a:r>
+                <a:t/>
+              </a:r>
+              <a:endParaRPr/>
+            </a:p>
+          </p:txBody>
+        </p:sp>
+      </p:grpSp>
+      <p:sp>
+        <p:nvSpPr>
+          <p:cNvPr id="85" name="Google Shape;85;p17"/>
+          <p:cNvSpPr txBox="1"/>
+          <p:nvPr/>
+        </p:nvSpPr>
+        <p:spPr>
+          <a:xfrm>
+            <a:off x="4803250" y="1021650"/>
+            <a:ext cx="1671600" cy="403500"/>
+          </a:xfrm>
+          <a:prstGeom prst="rect">
+            <a:avLst/>
+          </a:prstGeom>
+          <a:noFill/>
+          <a:ln>
+            <a:noFill/>
+          </a:ln>
+        </p:spPr>
+        <p:txBody>
+          <a:bodyPr anchorCtr="0" anchor="t" bIns="91425" lIns="91425" spcFirstLastPara="1" rIns="91425" wrap="square" tIns="91425">
+            <a:noAutofit/>
+          </a:bodyPr>
+          <a:lstStyle/>
+          <a:p>
+            <a:pPr indent="0" lvl="0" marL="0" rtl="0" algn="l">
+              <a:spcBef>
+                <a:spcPts val="0"/>
+              </a:spcBef>
+              <a:spcAft>
+                <a:spcPts val="0"/>
+              </a:spcAft>
+              <a:buNone/>
+            </a:pPr>
+            <a:r>
+              <a:rPr b="1" lang="zh-TW" sz="2200">
+                <a:solidFill>
+                  <a:srgbClr val="FF0000"/>
+                </a:solidFill>
+              </a:rPr>
+              <a:t>1. 填寫資料</a:t>
+            </a:r>
+            <a:endParaRPr b="1" sz="2200">
+              <a:solidFill>
+                <a:srgbClr val="FF0000"/>
+              </a:solidFill>
+            </a:endParaRPr>
+          </a:p>
+        </p:txBody>
+      </p:sp>
+      <p:sp>
+        <p:nvSpPr>
+          <p:cNvPr id="86" name="Google Shape;86;p17"/>
+          <p:cNvSpPr txBox="1"/>
+          <p:nvPr/>
+        </p:nvSpPr>
+        <p:spPr>
+          <a:xfrm>
+            <a:off x="8796925" y="1021650"/>
+            <a:ext cx="1090800" cy="403500"/>
+          </a:xfrm>
+          <a:prstGeom prst="rect">
+            <a:avLst/>
+          </a:prstGeom>
+          <a:noFill/>
+          <a:ln>
+            <a:noFill/>
+          </a:ln>
+        </p:spPr>
+        <p:txBody>
+          <a:bodyPr anchorCtr="0" anchor="t" bIns="91425" lIns="91425" spcFirstLastPara="1" rIns="91425" wrap="square" tIns="91425">
+            <a:noAutofit/>
+          </a:bodyPr>
+          <a:lstStyle/>
+          <a:p>
+            <a:pPr indent="0" lvl="0" marL="0" rtl="0" algn="l">
+              <a:spcBef>
+                <a:spcPts val="0"/>
+              </a:spcBef>
+              <a:spcAft>
+                <a:spcPts val="0"/>
+              </a:spcAft>
+              <a:buNone/>
+            </a:pPr>
+            <a:r>
+              <a:rPr b="1" lang="zh-TW" sz="2200">
+                <a:solidFill>
+                  <a:srgbClr val="FF0000"/>
+                </a:solidFill>
+              </a:rPr>
+              <a:t>2</a:t>
+            </a:r>
+            <a:r>
+              <a:rPr b="1" lang="zh-TW" sz="2200">
+                <a:solidFill>
+                  <a:srgbClr val="FF0000"/>
+                </a:solidFill>
+              </a:rPr>
+              <a:t>. </a:t>
+            </a:r>
+            <a:r>
+              <a:rPr b="1" lang="zh-TW" sz="2200">
+                <a:solidFill>
+                  <a:srgbClr val="FF0000"/>
+                </a:solidFill>
+              </a:rPr>
+              <a:t>送出</a:t>
+            </a:r>
+            <a:endParaRPr b="1" sz="2200">
+              <a:solidFill>
+                <a:srgbClr val="FF0000"/>
+              </a:solidFill>
+            </a:endParaRPr>
+          </a:p>
+        </p:txBody>
+      </p:sp>
+      <p:sp>
+        <p:nvSpPr>
+          <p:cNvPr id="87" name="Google Shape;87;p17"/>
+          <p:cNvSpPr txBox="1"/>
+          <p:nvPr/>
+        </p:nvSpPr>
+        <p:spPr>
+          <a:xfrm>
+            <a:off x="954800" y="2294775"/>
+            <a:ext cx="1916700" cy="403500"/>
+          </a:xfrm>
+          <a:prstGeom prst="rect">
+            <a:avLst/>
+          </a:prstGeom>
+          <a:noFill/>
+          <a:ln>
+            <a:noFill/>
+          </a:ln>
+        </p:spPr>
+        <p:txBody>
+          <a:bodyPr anchorCtr="0" anchor="t" bIns="91425" lIns="91425" spcFirstLastPara="1" rIns="91425" wrap="square" tIns="91425">
+            <a:noAutofit/>
+          </a:bodyPr>
+          <a:lstStyle/>
+          <a:p>
+            <a:pPr indent="0" lvl="0" marL="0" rtl="0" algn="l">
+              <a:spcBef>
+                <a:spcPts val="0"/>
+              </a:spcBef>
+              <a:spcAft>
+                <a:spcPts val="0"/>
+              </a:spcAft>
+              <a:buNone/>
+            </a:pPr>
+            <a:r>
+              <a:rPr b="1" lang="zh-TW" sz="2200">
+                <a:solidFill>
+                  <a:srgbClr val="FF0000"/>
+                </a:solidFill>
+              </a:rPr>
+              <a:t>3</a:t>
+            </a:r>
+            <a:r>
+              <a:rPr b="1" lang="zh-TW" sz="2200">
+                <a:solidFill>
+                  <a:srgbClr val="FF0000"/>
+                </a:solidFill>
+              </a:rPr>
+              <a:t>. </a:t>
+            </a:r>
+            <a:r>
+              <a:rPr b="1" lang="zh-TW" sz="2200">
+                <a:solidFill>
+                  <a:srgbClr val="FF0000"/>
+                </a:solidFill>
+              </a:rPr>
+              <a:t>顯示景點</a:t>
+            </a:r>
+            <a:endParaRPr b="1" sz="2200">
+              <a:solidFill>
+                <a:srgbClr val="FF0000"/>
+              </a:solidFill>
+            </a:endParaRPr>
           </a:p>
         </p:txBody>
       </p:sp>
@@ -8393,7 +8923,7 @@
   <p:cSld>
     <p:spTree>
       <p:nvGrpSpPr>
-        <p:cNvPr id="83" name="Shape 83"/>
+        <p:cNvPr id="91" name="Shape 91"/>
         <p:cNvGrpSpPr/>
         <p:nvPr/>
       </p:nvGrpSpPr>
@@ -8405,9 +8935,37 @@
           <a:chExt cx="0" cy="0"/>
         </a:xfrm>
       </p:grpSpPr>
+      <p:pic>
+        <p:nvPicPr>
+          <p:cNvPr id="92" name="Google Shape;92;p18"/>
+          <p:cNvPicPr preferRelativeResize="0"/>
+          <p:nvPr/>
+        </p:nvPicPr>
+        <p:blipFill>
+          <a:blip r:embed="rId3">
+            <a:alphaModFix/>
+          </a:blip>
+          <a:stretch>
+            <a:fillRect/>
+          </a:stretch>
+        </p:blipFill>
+        <p:spPr>
+          <a:xfrm>
+            <a:off x="192113" y="1298775"/>
+            <a:ext cx="11807775" cy="5344625"/>
+          </a:xfrm>
+          <a:prstGeom prst="rect">
+            <a:avLst/>
+          </a:prstGeom>
+          <a:noFill/>
+          <a:ln>
+            <a:noFill/>
+          </a:ln>
+        </p:spPr>
+      </p:pic>
       <p:sp>
         <p:nvSpPr>
-          <p:cNvPr id="84" name="Google Shape;84;p18"/>
+          <p:cNvPr id="93" name="Google Shape;93;p18"/>
           <p:cNvSpPr txBox="1"/>
           <p:nvPr>
             <p:ph type="title"/>
@@ -8447,24 +9005,26 @@
       </p:sp>
       <p:sp>
         <p:nvSpPr>
-          <p:cNvPr id="85" name="Google Shape;85;p18"/>
+          <p:cNvPr id="94" name="Google Shape;94;p18"/>
           <p:cNvSpPr txBox="1"/>
-          <p:nvPr>
-            <p:ph idx="1" type="body"/>
-          </p:nvPr>
+          <p:nvPr/>
         </p:nvSpPr>
         <p:spPr>
           <a:xfrm>
-            <a:off x="415600" y="1536633"/>
-            <a:ext cx="11360700" cy="4555200"/>
+            <a:off x="1359100" y="2201325"/>
+            <a:ext cx="2678400" cy="403500"/>
           </a:xfrm>
           <a:prstGeom prst="rect">
             <a:avLst/>
           </a:prstGeom>
+          <a:noFill/>
+          <a:ln>
+            <a:noFill/>
+          </a:ln>
         </p:spPr>
         <p:txBody>
-          <a:bodyPr anchorCtr="0" anchor="t" bIns="121900" lIns="121900" spcFirstLastPara="1" rIns="121900" wrap="square" tIns="121900">
-            <a:normAutofit/>
+          <a:bodyPr anchorCtr="0" anchor="t" bIns="91425" lIns="91425" spcFirstLastPara="1" rIns="91425" wrap="square" tIns="91425">
+            <a:noAutofit/>
           </a:bodyPr>
           <a:lstStyle/>
           <a:p>
@@ -8473,7 +9033,137 @@
                 <a:spcPts val="0"/>
               </a:spcBef>
               <a:spcAft>
-                <a:spcPts val="1600"/>
+                <a:spcPts val="0"/>
+              </a:spcAft>
+              <a:buNone/>
+            </a:pPr>
+            <a:r>
+              <a:rPr b="1" lang="zh-TW" sz="2200">
+                <a:solidFill>
+                  <a:srgbClr val="FF0000"/>
+                </a:solidFill>
+              </a:rPr>
+              <a:t>1. </a:t>
+            </a:r>
+            <a:r>
+              <a:rPr b="1" lang="zh-TW" sz="2200">
+                <a:solidFill>
+                  <a:srgbClr val="FF0000"/>
+                </a:solidFill>
+              </a:rPr>
+              <a:t>選擇想去的景點</a:t>
+            </a:r>
+            <a:endParaRPr b="1" sz="2200">
+              <a:solidFill>
+                <a:srgbClr val="FF0000"/>
+              </a:solidFill>
+            </a:endParaRPr>
+          </a:p>
+        </p:txBody>
+      </p:sp>
+      <p:sp>
+        <p:nvSpPr>
+          <p:cNvPr id="95" name="Google Shape;95;p18"/>
+          <p:cNvSpPr txBox="1"/>
+          <p:nvPr/>
+        </p:nvSpPr>
+        <p:spPr>
+          <a:xfrm>
+            <a:off x="4115275" y="4627750"/>
+            <a:ext cx="2192100" cy="763500"/>
+          </a:xfrm>
+          <a:prstGeom prst="rect">
+            <a:avLst/>
+          </a:prstGeom>
+          <a:noFill/>
+          <a:ln>
+            <a:noFill/>
+          </a:ln>
+        </p:spPr>
+        <p:txBody>
+          <a:bodyPr anchorCtr="0" anchor="t" bIns="91425" lIns="91425" spcFirstLastPara="1" rIns="91425" wrap="square" tIns="91425">
+            <a:noAutofit/>
+          </a:bodyPr>
+          <a:lstStyle/>
+          <a:p>
+            <a:pPr indent="0" lvl="0" marL="0" rtl="0" algn="l">
+              <a:spcBef>
+                <a:spcPts val="0"/>
+              </a:spcBef>
+              <a:spcAft>
+                <a:spcPts val="0"/>
+              </a:spcAft>
+              <a:buNone/>
+            </a:pPr>
+            <a:r>
+              <a:rPr b="1" lang="zh-TW" sz="2200">
+                <a:solidFill>
+                  <a:srgbClr val="FF0000"/>
+                </a:solidFill>
+              </a:rPr>
+              <a:t>2</a:t>
+            </a:r>
+            <a:r>
+              <a:rPr b="1" lang="zh-TW" sz="2200">
+                <a:solidFill>
+                  <a:srgbClr val="FF0000"/>
+                </a:solidFill>
+              </a:rPr>
+              <a:t>.</a:t>
+            </a:r>
+            <a:r>
+              <a:rPr b="1" lang="zh-TW" sz="2200">
+                <a:solidFill>
+                  <a:srgbClr val="FF0000"/>
+                </a:solidFill>
+              </a:rPr>
+              <a:t>按愛心就可以加入收藏景點</a:t>
+            </a:r>
+            <a:endParaRPr b="1" sz="2200">
+              <a:solidFill>
+                <a:srgbClr val="FF0000"/>
+              </a:solidFill>
+            </a:endParaRPr>
+          </a:p>
+        </p:txBody>
+      </p:sp>
+      <p:sp>
+        <p:nvSpPr>
+          <p:cNvPr id="96" name="Google Shape;96;p18"/>
+          <p:cNvSpPr/>
+          <p:nvPr/>
+        </p:nvSpPr>
+        <p:spPr>
+          <a:xfrm>
+            <a:off x="310300" y="3143500"/>
+            <a:ext cx="3279900" cy="878400"/>
+          </a:xfrm>
+          <a:prstGeom prst="rect">
+            <a:avLst/>
+          </a:prstGeom>
+          <a:noFill/>
+          <a:ln cap="flat" cmpd="sng" w="28575">
+            <a:solidFill>
+              <a:srgbClr val="FF0000"/>
+            </a:solidFill>
+            <a:prstDash val="solid"/>
+            <a:round/>
+            <a:headEnd len="sm" w="sm" type="none"/>
+            <a:tailEnd len="sm" w="sm" type="none"/>
+          </a:ln>
+        </p:spPr>
+        <p:txBody>
+          <a:bodyPr anchorCtr="0" anchor="ctr" bIns="91425" lIns="91425" spcFirstLastPara="1" rIns="91425" wrap="square" tIns="91425">
+            <a:noAutofit/>
+          </a:bodyPr>
+          <a:lstStyle/>
+          <a:p>
+            <a:pPr indent="0" lvl="0" marL="0" rtl="0" algn="ctr">
+              <a:spcBef>
+                <a:spcPts val="0"/>
+              </a:spcBef>
+              <a:spcAft>
+                <a:spcPts val="0"/>
               </a:spcAft>
               <a:buNone/>
             </a:pPr>
@@ -8484,6 +9174,32 @@
           </a:p>
         </p:txBody>
       </p:sp>
+      <p:cxnSp>
+        <p:nvCxnSpPr>
+          <p:cNvPr id="97" name="Google Shape;97;p18"/>
+          <p:cNvCxnSpPr/>
+          <p:nvPr/>
+        </p:nvCxnSpPr>
+        <p:spPr>
+          <a:xfrm rot="10800000">
+            <a:off x="3898250" y="3761325"/>
+            <a:ext cx="573900" cy="901200"/>
+          </a:xfrm>
+          <a:prstGeom prst="straightConnector1">
+            <a:avLst/>
+          </a:prstGeom>
+          <a:noFill/>
+          <a:ln cap="flat" cmpd="sng" w="28575">
+            <a:solidFill>
+              <a:srgbClr val="FF0000"/>
+            </a:solidFill>
+            <a:prstDash val="solid"/>
+            <a:round/>
+            <a:headEnd len="med" w="med" type="none"/>
+            <a:tailEnd len="med" w="med" type="triangle"/>
+          </a:ln>
+        </p:spPr>
+      </p:cxnSp>
     </p:spTree>
   </p:cSld>
   <p:clrMapOvr>
@@ -8493,214 +9209,6 @@
 </file>
 
 <file path=ppt/slides/slide6.xml><?xml version="1.0" encoding="utf-8"?>
-<p:sld xmlns:a="http://schemas.openxmlformats.org/drawingml/2006/main" xmlns:r="http://schemas.openxmlformats.org/officeDocument/2006/relationships" xmlns:mc="http://schemas.openxmlformats.org/markup-compatibility/2006" xmlns:mv="urn:schemas-microsoft-com:mac:vml" xmlns:p="http://schemas.openxmlformats.org/presentationml/2006/main" xmlns:c="http://schemas.openxmlformats.org/drawingml/2006/chart" xmlns:dgm="http://schemas.openxmlformats.org/drawingml/2006/diagram" xmlns:o="urn:schemas-microsoft-com:office:office" xmlns:v="urn:schemas-microsoft-com:vml" xmlns:pvml="urn:schemas-microsoft-com:office:powerpoint" xmlns:com="http://schemas.openxmlformats.org/drawingml/2006/compatibility" xmlns:p14="http://schemas.microsoft.com/office/powerpoint/2010/main" xmlns:p15="http://schemas.microsoft.com/office/powerpoint/2012/main" xmlns:ahyp="http://schemas.microsoft.com/office/drawing/2018/hyperlinkcolor">
-  <p:cSld>
-    <p:spTree>
-      <p:nvGrpSpPr>
-        <p:cNvPr id="89" name="Shape 89"/>
-        <p:cNvGrpSpPr/>
-        <p:nvPr/>
-      </p:nvGrpSpPr>
-      <p:grpSpPr>
-        <a:xfrm>
-          <a:off x="0" y="0"/>
-          <a:ext cx="0" cy="0"/>
-          <a:chOff x="0" y="0"/>
-          <a:chExt cx="0" cy="0"/>
-        </a:xfrm>
-      </p:grpSpPr>
-      <p:sp>
-        <p:nvSpPr>
-          <p:cNvPr id="90" name="Google Shape;90;p19"/>
-          <p:cNvSpPr txBox="1"/>
-          <p:nvPr>
-            <p:ph type="title"/>
-          </p:nvPr>
-        </p:nvSpPr>
-        <p:spPr>
-          <a:xfrm>
-            <a:off x="415600" y="593367"/>
-            <a:ext cx="11360700" cy="763500"/>
-          </a:xfrm>
-          <a:prstGeom prst="rect">
-            <a:avLst/>
-          </a:prstGeom>
-        </p:spPr>
-        <p:txBody>
-          <a:bodyPr anchorCtr="0" anchor="t" bIns="121900" lIns="121900" spcFirstLastPara="1" rIns="121900" wrap="square" tIns="121900">
-            <a:normAutofit fontScale="90000"/>
-          </a:bodyPr>
-          <a:lstStyle/>
-          <a:p>
-            <a:pPr indent="0" lvl="0" marL="0" rtl="0" algn="l">
-              <a:spcBef>
-                <a:spcPts val="0"/>
-              </a:spcBef>
-              <a:spcAft>
-                <a:spcPts val="0"/>
-              </a:spcAft>
-              <a:buNone/>
-            </a:pPr>
-            <a:r>
-              <a:rPr lang="zh-TW"/>
-              <a:t>3. 收藏景點</a:t>
-            </a:r>
-            <a:endParaRPr/>
-          </a:p>
-        </p:txBody>
-      </p:sp>
-      <p:sp>
-        <p:nvSpPr>
-          <p:cNvPr id="91" name="Google Shape;91;p19"/>
-          <p:cNvSpPr txBox="1"/>
-          <p:nvPr>
-            <p:ph idx="1" type="body"/>
-          </p:nvPr>
-        </p:nvSpPr>
-        <p:spPr>
-          <a:xfrm>
-            <a:off x="415600" y="1536633"/>
-            <a:ext cx="11360700" cy="4555200"/>
-          </a:xfrm>
-          <a:prstGeom prst="rect">
-            <a:avLst/>
-          </a:prstGeom>
-        </p:spPr>
-        <p:txBody>
-          <a:bodyPr anchorCtr="0" anchor="t" bIns="121900" lIns="121900" spcFirstLastPara="1" rIns="121900" wrap="square" tIns="121900">
-            <a:normAutofit/>
-          </a:bodyPr>
-          <a:lstStyle/>
-          <a:p>
-            <a:pPr indent="0" lvl="0" marL="0" rtl="0" algn="l">
-              <a:spcBef>
-                <a:spcPts val="0"/>
-              </a:spcBef>
-              <a:spcAft>
-                <a:spcPts val="1600"/>
-              </a:spcAft>
-              <a:buNone/>
-            </a:pPr>
-            <a:r>
-              <a:t/>
-            </a:r>
-            <a:endParaRPr/>
-          </a:p>
-        </p:txBody>
-      </p:sp>
-    </p:spTree>
-  </p:cSld>
-  <p:clrMapOvr>
-    <a:masterClrMapping/>
-  </p:clrMapOvr>
-</p:sld>
-</file>
-
-<file path=ppt/slides/slide7.xml><?xml version="1.0" encoding="utf-8"?>
-<p:sld xmlns:a="http://schemas.openxmlformats.org/drawingml/2006/main" xmlns:r="http://schemas.openxmlformats.org/officeDocument/2006/relationships" xmlns:mc="http://schemas.openxmlformats.org/markup-compatibility/2006" xmlns:mv="urn:schemas-microsoft-com:mac:vml" xmlns:p="http://schemas.openxmlformats.org/presentationml/2006/main" xmlns:c="http://schemas.openxmlformats.org/drawingml/2006/chart" xmlns:dgm="http://schemas.openxmlformats.org/drawingml/2006/diagram" xmlns:o="urn:schemas-microsoft-com:office:office" xmlns:v="urn:schemas-microsoft-com:vml" xmlns:pvml="urn:schemas-microsoft-com:office:powerpoint" xmlns:com="http://schemas.openxmlformats.org/drawingml/2006/compatibility" xmlns:p14="http://schemas.microsoft.com/office/powerpoint/2010/main" xmlns:p15="http://schemas.microsoft.com/office/powerpoint/2012/main" xmlns:ahyp="http://schemas.microsoft.com/office/drawing/2018/hyperlinkcolor">
-  <p:cSld>
-    <p:spTree>
-      <p:nvGrpSpPr>
-        <p:cNvPr id="95" name="Shape 95"/>
-        <p:cNvGrpSpPr/>
-        <p:nvPr/>
-      </p:nvGrpSpPr>
-      <p:grpSpPr>
-        <a:xfrm>
-          <a:off x="0" y="0"/>
-          <a:ext cx="0" cy="0"/>
-          <a:chOff x="0" y="0"/>
-          <a:chExt cx="0" cy="0"/>
-        </a:xfrm>
-      </p:grpSpPr>
-      <p:sp>
-        <p:nvSpPr>
-          <p:cNvPr id="96" name="Google Shape;96;p20"/>
-          <p:cNvSpPr txBox="1"/>
-          <p:nvPr>
-            <p:ph type="title"/>
-          </p:nvPr>
-        </p:nvSpPr>
-        <p:spPr>
-          <a:xfrm>
-            <a:off x="415600" y="593367"/>
-            <a:ext cx="11360700" cy="763500"/>
-          </a:xfrm>
-          <a:prstGeom prst="rect">
-            <a:avLst/>
-          </a:prstGeom>
-        </p:spPr>
-        <p:txBody>
-          <a:bodyPr anchorCtr="0" anchor="t" bIns="121900" lIns="121900" spcFirstLastPara="1" rIns="121900" wrap="square" tIns="121900">
-            <a:normAutofit fontScale="90000"/>
-          </a:bodyPr>
-          <a:lstStyle/>
-          <a:p>
-            <a:pPr indent="0" lvl="0" marL="0" rtl="0" algn="l">
-              <a:spcBef>
-                <a:spcPts val="0"/>
-              </a:spcBef>
-              <a:spcAft>
-                <a:spcPts val="0"/>
-              </a:spcAft>
-              <a:buNone/>
-            </a:pPr>
-            <a:r>
-              <a:rPr lang="zh-TW"/>
-              <a:t>4. 選擇住宿</a:t>
-            </a:r>
-            <a:endParaRPr/>
-          </a:p>
-        </p:txBody>
-      </p:sp>
-      <p:sp>
-        <p:nvSpPr>
-          <p:cNvPr id="97" name="Google Shape;97;p20"/>
-          <p:cNvSpPr txBox="1"/>
-          <p:nvPr>
-            <p:ph idx="1" type="body"/>
-          </p:nvPr>
-        </p:nvSpPr>
-        <p:spPr>
-          <a:xfrm>
-            <a:off x="415600" y="1536633"/>
-            <a:ext cx="11360700" cy="4555200"/>
-          </a:xfrm>
-          <a:prstGeom prst="rect">
-            <a:avLst/>
-          </a:prstGeom>
-        </p:spPr>
-        <p:txBody>
-          <a:bodyPr anchorCtr="0" anchor="t" bIns="121900" lIns="121900" spcFirstLastPara="1" rIns="121900" wrap="square" tIns="121900">
-            <a:normAutofit/>
-          </a:bodyPr>
-          <a:lstStyle/>
-          <a:p>
-            <a:pPr indent="0" lvl="0" marL="0" rtl="0" algn="l">
-              <a:spcBef>
-                <a:spcPts val="0"/>
-              </a:spcBef>
-              <a:spcAft>
-                <a:spcPts val="1600"/>
-              </a:spcAft>
-              <a:buNone/>
-            </a:pPr>
-            <a:r>
-              <a:t/>
-            </a:r>
-            <a:endParaRPr/>
-          </a:p>
-        </p:txBody>
-      </p:sp>
-    </p:spTree>
-  </p:cSld>
-  <p:clrMapOvr>
-    <a:masterClrMapping/>
-  </p:clrMapOvr>
-</p:sld>
-</file>
-
-<file path=ppt/slides/slide8.xml><?xml version="1.0" encoding="utf-8"?>
 <p:sld xmlns:a="http://schemas.openxmlformats.org/drawingml/2006/main" xmlns:r="http://schemas.openxmlformats.org/officeDocument/2006/relationships" xmlns:mc="http://schemas.openxmlformats.org/markup-compatibility/2006" xmlns:mv="urn:schemas-microsoft-com:mac:vml" xmlns:p="http://schemas.openxmlformats.org/presentationml/2006/main" xmlns:c="http://schemas.openxmlformats.org/drawingml/2006/chart" xmlns:dgm="http://schemas.openxmlformats.org/drawingml/2006/diagram" xmlns:o="urn:schemas-microsoft-com:office:office" xmlns:v="urn:schemas-microsoft-com:vml" xmlns:pvml="urn:schemas-microsoft-com:office:powerpoint" xmlns:com="http://schemas.openxmlformats.org/drawingml/2006/compatibility" xmlns:p14="http://schemas.microsoft.com/office/powerpoint/2010/main" xmlns:p15="http://schemas.microsoft.com/office/powerpoint/2012/main" xmlns:ahyp="http://schemas.microsoft.com/office/drawing/2018/hyperlinkcolor">
   <p:cSld>
     <p:spTree>
@@ -8719,7 +9227,7 @@
       </p:grpSpPr>
       <p:sp>
         <p:nvSpPr>
-          <p:cNvPr id="102" name="Google Shape;102;p21"/>
+          <p:cNvPr id="102" name="Google Shape;102;p19"/>
           <p:cNvSpPr txBox="1"/>
           <p:nvPr>
             <p:ph type="title"/>
@@ -8751,7 +9259,148 @@
             </a:pPr>
             <a:r>
               <a:rPr lang="zh-TW"/>
-              <a:t>5. 必備清單</a:t>
+              <a:t>3. 編輯收藏景點</a:t>
+            </a:r>
+            <a:endParaRPr/>
+          </a:p>
+        </p:txBody>
+      </p:sp>
+      <p:pic>
+        <p:nvPicPr>
+          <p:cNvPr id="103" name="Google Shape;103;p19"/>
+          <p:cNvPicPr preferRelativeResize="0"/>
+          <p:nvPr/>
+        </p:nvPicPr>
+        <p:blipFill>
+          <a:blip r:embed="rId3">
+            <a:alphaModFix/>
+          </a:blip>
+          <a:stretch>
+            <a:fillRect/>
+          </a:stretch>
+        </p:blipFill>
+        <p:spPr>
+          <a:xfrm>
+            <a:off x="315900" y="1356875"/>
+            <a:ext cx="11560095" cy="4639824"/>
+          </a:xfrm>
+          <a:prstGeom prst="rect">
+            <a:avLst/>
+          </a:prstGeom>
+          <a:noFill/>
+          <a:ln>
+            <a:noFill/>
+          </a:ln>
+        </p:spPr>
+      </p:pic>
+      <p:sp>
+        <p:nvSpPr>
+          <p:cNvPr id="104" name="Google Shape;104;p19"/>
+          <p:cNvSpPr txBox="1"/>
+          <p:nvPr/>
+        </p:nvSpPr>
+        <p:spPr>
+          <a:xfrm>
+            <a:off x="4186875" y="4312200"/>
+            <a:ext cx="2073600" cy="763500"/>
+          </a:xfrm>
+          <a:prstGeom prst="rect">
+            <a:avLst/>
+          </a:prstGeom>
+          <a:noFill/>
+          <a:ln>
+            <a:noFill/>
+          </a:ln>
+        </p:spPr>
+        <p:txBody>
+          <a:bodyPr anchorCtr="0" anchor="t" bIns="91425" lIns="91425" spcFirstLastPara="1" rIns="91425" wrap="square" tIns="91425">
+            <a:noAutofit/>
+          </a:bodyPr>
+          <a:lstStyle/>
+          <a:p>
+            <a:pPr indent="0" lvl="0" marL="0" rtl="0" algn="l">
+              <a:spcBef>
+                <a:spcPts val="0"/>
+              </a:spcBef>
+              <a:spcAft>
+                <a:spcPts val="0"/>
+              </a:spcAft>
+              <a:buNone/>
+            </a:pPr>
+            <a:r>
+              <a:rPr b="1" lang="zh-TW" sz="2200">
+                <a:solidFill>
+                  <a:srgbClr val="FF0000"/>
+                </a:solidFill>
+              </a:rPr>
+              <a:t>1. </a:t>
+            </a:r>
+            <a:r>
+              <a:rPr b="1" lang="zh-TW" sz="2200">
+                <a:solidFill>
+                  <a:srgbClr val="FF0000"/>
+                </a:solidFill>
+              </a:rPr>
+              <a:t>假設想刪除這個</a:t>
+            </a:r>
+            <a:r>
+              <a:rPr b="1" lang="zh-TW" sz="2200">
+                <a:solidFill>
+                  <a:srgbClr val="FF0000"/>
+                </a:solidFill>
+              </a:rPr>
+              <a:t>景點</a:t>
+            </a:r>
+            <a:endParaRPr b="1" sz="2200">
+              <a:solidFill>
+                <a:srgbClr val="FF0000"/>
+              </a:solidFill>
+            </a:endParaRPr>
+          </a:p>
+        </p:txBody>
+      </p:sp>
+      <p:sp>
+        <p:nvSpPr>
+          <p:cNvPr id="105" name="Google Shape;105;p19"/>
+          <p:cNvSpPr/>
+          <p:nvPr/>
+        </p:nvSpPr>
+        <p:spPr>
+          <a:xfrm>
+            <a:off x="4237000" y="3485525"/>
+            <a:ext cx="3226500" cy="763500"/>
+          </a:xfrm>
+          <a:prstGeom prst="rect">
+            <a:avLst/>
+          </a:prstGeom>
+          <a:noFill/>
+          <a:ln cap="flat" cmpd="sng" w="28575">
+            <a:solidFill>
+              <a:srgbClr val="FF0000"/>
+            </a:solidFill>
+            <a:prstDash val="solid"/>
+            <a:round/>
+            <a:headEnd len="sm" w="sm" type="none"/>
+            <a:tailEnd len="sm" w="sm" type="none"/>
+          </a:ln>
+        </p:spPr>
+        <p:txBody>
+          <a:bodyPr anchorCtr="0" anchor="ctr" bIns="91425" lIns="91425" spcFirstLastPara="1" rIns="91425" wrap="square" tIns="91425">
+            <a:noAutofit/>
+          </a:bodyPr>
+          <a:lstStyle/>
+          <a:p>
+            <a:pPr indent="0" lvl="0" marL="0" rtl="0" algn="ctr">
+              <a:spcBef>
+                <a:spcPts val="0"/>
+              </a:spcBef>
+              <a:spcAft>
+                <a:spcPts val="0"/>
+              </a:spcAft>
+              <a:buNone/>
+            </a:pPr>
+            <a:r>
+              <a:t/>
             </a:r>
             <a:endParaRPr/>
           </a:p>
@@ -8759,7 +9408,148 @@
       </p:sp>
       <p:sp>
         <p:nvSpPr>
-          <p:cNvPr id="103" name="Google Shape;103;p21"/>
+          <p:cNvPr id="106" name="Google Shape;106;p19"/>
+          <p:cNvSpPr txBox="1"/>
+          <p:nvPr/>
+        </p:nvSpPr>
+        <p:spPr>
+          <a:xfrm>
+            <a:off x="6908500" y="4442550"/>
+            <a:ext cx="1466400" cy="502800"/>
+          </a:xfrm>
+          <a:prstGeom prst="rect">
+            <a:avLst/>
+          </a:prstGeom>
+          <a:noFill/>
+          <a:ln>
+            <a:noFill/>
+          </a:ln>
+        </p:spPr>
+        <p:txBody>
+          <a:bodyPr anchorCtr="0" anchor="t" bIns="91425" lIns="91425" spcFirstLastPara="1" rIns="91425" wrap="square" tIns="91425">
+            <a:noAutofit/>
+          </a:bodyPr>
+          <a:lstStyle/>
+          <a:p>
+            <a:pPr indent="0" lvl="0" marL="0" rtl="0" algn="l">
+              <a:spcBef>
+                <a:spcPts val="0"/>
+              </a:spcBef>
+              <a:spcAft>
+                <a:spcPts val="0"/>
+              </a:spcAft>
+              <a:buNone/>
+            </a:pPr>
+            <a:r>
+              <a:rPr b="1" lang="zh-TW" sz="2200">
+                <a:solidFill>
+                  <a:srgbClr val="FF0000"/>
+                </a:solidFill>
+              </a:rPr>
+              <a:t>2.按刪除</a:t>
+            </a:r>
+            <a:endParaRPr b="1" sz="2200">
+              <a:solidFill>
+                <a:srgbClr val="FF0000"/>
+              </a:solidFill>
+            </a:endParaRPr>
+          </a:p>
+        </p:txBody>
+      </p:sp>
+      <p:cxnSp>
+        <p:nvCxnSpPr>
+          <p:cNvPr id="107" name="Google Shape;107;p19"/>
+          <p:cNvCxnSpPr/>
+          <p:nvPr/>
+        </p:nvCxnSpPr>
+        <p:spPr>
+          <a:xfrm flipH="1" rot="10800000">
+            <a:off x="7609000" y="4066950"/>
+            <a:ext cx="65400" cy="506700"/>
+          </a:xfrm>
+          <a:prstGeom prst="straightConnector1">
+            <a:avLst/>
+          </a:prstGeom>
+          <a:noFill/>
+          <a:ln cap="flat" cmpd="sng" w="28575">
+            <a:solidFill>
+              <a:srgbClr val="FF0000"/>
+            </a:solidFill>
+            <a:prstDash val="solid"/>
+            <a:round/>
+            <a:headEnd len="med" w="med" type="none"/>
+            <a:tailEnd len="med" w="med" type="triangle"/>
+          </a:ln>
+        </p:spPr>
+      </p:cxnSp>
+    </p:spTree>
+  </p:cSld>
+  <p:clrMapOvr>
+    <a:masterClrMapping/>
+  </p:clrMapOvr>
+</p:sld>
+</file>
+
+<file path=ppt/slides/slide7.xml><?xml version="1.0" encoding="utf-8"?>
+<p:sld xmlns:a="http://schemas.openxmlformats.org/drawingml/2006/main" xmlns:r="http://schemas.openxmlformats.org/officeDocument/2006/relationships" xmlns:mc="http://schemas.openxmlformats.org/markup-compatibility/2006" xmlns:mv="urn:schemas-microsoft-com:mac:vml" xmlns:p="http://schemas.openxmlformats.org/presentationml/2006/main" xmlns:c="http://schemas.openxmlformats.org/drawingml/2006/chart" xmlns:dgm="http://schemas.openxmlformats.org/drawingml/2006/diagram" xmlns:o="urn:schemas-microsoft-com:office:office" xmlns:v="urn:schemas-microsoft-com:vml" xmlns:pvml="urn:schemas-microsoft-com:office:powerpoint" xmlns:com="http://schemas.openxmlformats.org/drawingml/2006/compatibility" xmlns:p14="http://schemas.microsoft.com/office/powerpoint/2010/main" xmlns:p15="http://schemas.microsoft.com/office/powerpoint/2012/main" xmlns:ahyp="http://schemas.microsoft.com/office/drawing/2018/hyperlinkcolor">
+  <p:cSld>
+    <p:spTree>
+      <p:nvGrpSpPr>
+        <p:cNvPr id="111" name="Shape 111"/>
+        <p:cNvGrpSpPr/>
+        <p:nvPr/>
+      </p:nvGrpSpPr>
+      <p:grpSpPr>
+        <a:xfrm>
+          <a:off x="0" y="0"/>
+          <a:ext cx="0" cy="0"/>
+          <a:chOff x="0" y="0"/>
+          <a:chExt cx="0" cy="0"/>
+        </a:xfrm>
+      </p:grpSpPr>
+      <p:sp>
+        <p:nvSpPr>
+          <p:cNvPr id="112" name="Google Shape;112;p20"/>
+          <p:cNvSpPr txBox="1"/>
+          <p:nvPr>
+            <p:ph type="title"/>
+          </p:nvPr>
+        </p:nvSpPr>
+        <p:spPr>
+          <a:xfrm>
+            <a:off x="415600" y="593367"/>
+            <a:ext cx="11360700" cy="763500"/>
+          </a:xfrm>
+          <a:prstGeom prst="rect">
+            <a:avLst/>
+          </a:prstGeom>
+        </p:spPr>
+        <p:txBody>
+          <a:bodyPr anchorCtr="0" anchor="t" bIns="121900" lIns="121900" spcFirstLastPara="1" rIns="121900" wrap="square" tIns="121900">
+            <a:normAutofit fontScale="90000"/>
+          </a:bodyPr>
+          <a:lstStyle/>
+          <a:p>
+            <a:pPr indent="0" lvl="0" marL="0" rtl="0" algn="l">
+              <a:spcBef>
+                <a:spcPts val="0"/>
+              </a:spcBef>
+              <a:spcAft>
+                <a:spcPts val="0"/>
+              </a:spcAft>
+              <a:buNone/>
+            </a:pPr>
+            <a:r>
+              <a:rPr lang="zh-TW"/>
+              <a:t>4. 選擇住宿</a:t>
+            </a:r>
+            <a:endParaRPr/>
+          </a:p>
+        </p:txBody>
+      </p:sp>
+      <p:sp>
+        <p:nvSpPr>
+          <p:cNvPr id="113" name="Google Shape;113;p20"/>
           <p:cNvSpPr txBox="1"/>
           <p:nvPr>
             <p:ph idx="1" type="body"/>
@@ -8786,6 +9576,365 @@
               </a:spcBef>
               <a:spcAft>
                 <a:spcPts val="1600"/>
+              </a:spcAft>
+              <a:buNone/>
+            </a:pPr>
+            <a:r>
+              <a:t/>
+            </a:r>
+            <a:endParaRPr/>
+          </a:p>
+        </p:txBody>
+      </p:sp>
+      <p:pic>
+        <p:nvPicPr>
+          <p:cNvPr id="114" name="Google Shape;114;p20"/>
+          <p:cNvPicPr preferRelativeResize="0"/>
+          <p:nvPr/>
+        </p:nvPicPr>
+        <p:blipFill>
+          <a:blip r:embed="rId3">
+            <a:alphaModFix/>
+          </a:blip>
+          <a:stretch>
+            <a:fillRect/>
+          </a:stretch>
+        </p:blipFill>
+        <p:spPr>
+          <a:xfrm>
+            <a:off x="315950" y="1356875"/>
+            <a:ext cx="11560095" cy="4639824"/>
+          </a:xfrm>
+          <a:prstGeom prst="rect">
+            <a:avLst/>
+          </a:prstGeom>
+          <a:noFill/>
+          <a:ln>
+            <a:noFill/>
+          </a:ln>
+        </p:spPr>
+      </p:pic>
+      <p:sp>
+        <p:nvSpPr>
+          <p:cNvPr id="115" name="Google Shape;115;p20"/>
+          <p:cNvSpPr txBox="1"/>
+          <p:nvPr/>
+        </p:nvSpPr>
+        <p:spPr>
+          <a:xfrm>
+            <a:off x="8082200" y="958550"/>
+            <a:ext cx="3000000" cy="523200"/>
+          </a:xfrm>
+          <a:prstGeom prst="rect">
+            <a:avLst/>
+          </a:prstGeom>
+          <a:noFill/>
+          <a:ln>
+            <a:noFill/>
+          </a:ln>
+        </p:spPr>
+        <p:txBody>
+          <a:bodyPr anchorCtr="0" anchor="t" bIns="91425" lIns="91425" spcFirstLastPara="1" rIns="91425" wrap="square" tIns="91425">
+            <a:spAutoFit/>
+          </a:bodyPr>
+          <a:lstStyle/>
+          <a:p>
+            <a:pPr indent="0" lvl="0" marL="0" rtl="0" algn="l">
+              <a:spcBef>
+                <a:spcPts val="0"/>
+              </a:spcBef>
+              <a:spcAft>
+                <a:spcPts val="0"/>
+              </a:spcAft>
+              <a:buNone/>
+            </a:pPr>
+            <a:r>
+              <a:rPr b="1" lang="zh-TW" sz="2200">
+                <a:solidFill>
+                  <a:srgbClr val="FF0000"/>
+                </a:solidFill>
+              </a:rPr>
+              <a:t>1. </a:t>
+            </a:r>
+            <a:r>
+              <a:rPr b="1" lang="zh-TW" sz="2200">
+                <a:solidFill>
+                  <a:srgbClr val="FF0000"/>
+                </a:solidFill>
+              </a:rPr>
+              <a:t>前往訂房網站</a:t>
+            </a:r>
+            <a:endParaRPr b="1" sz="2200">
+              <a:solidFill>
+                <a:srgbClr val="FF0000"/>
+              </a:solidFill>
+            </a:endParaRPr>
+          </a:p>
+        </p:txBody>
+      </p:sp>
+      <p:cxnSp>
+        <p:nvCxnSpPr>
+          <p:cNvPr id="116" name="Google Shape;116;p20"/>
+          <p:cNvCxnSpPr/>
+          <p:nvPr/>
+        </p:nvCxnSpPr>
+        <p:spPr>
+          <a:xfrm>
+            <a:off x="9132100" y="1422300"/>
+            <a:ext cx="1224300" cy="225900"/>
+          </a:xfrm>
+          <a:prstGeom prst="straightConnector1">
+            <a:avLst/>
+          </a:prstGeom>
+          <a:noFill/>
+          <a:ln cap="flat" cmpd="sng" w="28575">
+            <a:solidFill>
+              <a:srgbClr val="FF0000"/>
+            </a:solidFill>
+            <a:prstDash val="solid"/>
+            <a:round/>
+            <a:headEnd len="med" w="med" type="none"/>
+            <a:tailEnd len="med" w="med" type="triangle"/>
+          </a:ln>
+        </p:spPr>
+      </p:cxnSp>
+      <p:sp>
+        <p:nvSpPr>
+          <p:cNvPr id="117" name="Google Shape;117;p20"/>
+          <p:cNvSpPr txBox="1"/>
+          <p:nvPr/>
+        </p:nvSpPr>
+        <p:spPr>
+          <a:xfrm>
+            <a:off x="9019075" y="2410675"/>
+            <a:ext cx="2216700" cy="523200"/>
+          </a:xfrm>
+          <a:prstGeom prst="rect">
+            <a:avLst/>
+          </a:prstGeom>
+          <a:noFill/>
+          <a:ln>
+            <a:noFill/>
+          </a:ln>
+        </p:spPr>
+        <p:txBody>
+          <a:bodyPr anchorCtr="0" anchor="t" bIns="91425" lIns="91425" spcFirstLastPara="1" rIns="91425" wrap="square" tIns="91425">
+            <a:spAutoFit/>
+          </a:bodyPr>
+          <a:lstStyle/>
+          <a:p>
+            <a:pPr indent="0" lvl="0" marL="0" rtl="0" algn="l">
+              <a:spcBef>
+                <a:spcPts val="0"/>
+              </a:spcBef>
+              <a:spcAft>
+                <a:spcPts val="0"/>
+              </a:spcAft>
+              <a:buNone/>
+            </a:pPr>
+            <a:r>
+              <a:rPr b="1" lang="zh-TW" sz="2200">
+                <a:solidFill>
+                  <a:srgbClr val="FF0000"/>
+                </a:solidFill>
+              </a:rPr>
+              <a:t>2</a:t>
+            </a:r>
+            <a:r>
+              <a:rPr b="1" lang="zh-TW" sz="2200">
+                <a:solidFill>
+                  <a:srgbClr val="FF0000"/>
+                </a:solidFill>
+              </a:rPr>
+              <a:t>. </a:t>
+            </a:r>
+            <a:r>
+              <a:rPr b="1" lang="zh-TW" sz="2200">
+                <a:solidFill>
+                  <a:srgbClr val="FF0000"/>
+                </a:solidFill>
+              </a:rPr>
+              <a:t>顯示訂房資訊</a:t>
+            </a:r>
+            <a:endParaRPr b="1" sz="2200">
+              <a:solidFill>
+                <a:srgbClr val="FF0000"/>
+              </a:solidFill>
+            </a:endParaRPr>
+          </a:p>
+        </p:txBody>
+      </p:sp>
+      <p:cxnSp>
+        <p:nvCxnSpPr>
+          <p:cNvPr id="118" name="Google Shape;118;p20"/>
+          <p:cNvCxnSpPr/>
+          <p:nvPr/>
+        </p:nvCxnSpPr>
+        <p:spPr>
+          <a:xfrm flipH="1" rot="10800000">
+            <a:off x="10403875" y="2075825"/>
+            <a:ext cx="832200" cy="333000"/>
+          </a:xfrm>
+          <a:prstGeom prst="straightConnector1">
+            <a:avLst/>
+          </a:prstGeom>
+          <a:noFill/>
+          <a:ln cap="flat" cmpd="sng" w="28575">
+            <a:solidFill>
+              <a:srgbClr val="FF0000"/>
+            </a:solidFill>
+            <a:prstDash val="solid"/>
+            <a:round/>
+            <a:headEnd len="med" w="med" type="none"/>
+            <a:tailEnd len="med" w="med" type="triangle"/>
+          </a:ln>
+        </p:spPr>
+      </p:cxnSp>
+    </p:spTree>
+  </p:cSld>
+  <p:clrMapOvr>
+    <a:masterClrMapping/>
+  </p:clrMapOvr>
+</p:sld>
+</file>
+
+<file path=ppt/slides/slide8.xml><?xml version="1.0" encoding="utf-8"?>
+<p:sld xmlns:a="http://schemas.openxmlformats.org/drawingml/2006/main" xmlns:r="http://schemas.openxmlformats.org/officeDocument/2006/relationships" xmlns:mc="http://schemas.openxmlformats.org/markup-compatibility/2006" xmlns:mv="urn:schemas-microsoft-com:mac:vml" xmlns:p="http://schemas.openxmlformats.org/presentationml/2006/main" xmlns:c="http://schemas.openxmlformats.org/drawingml/2006/chart" xmlns:dgm="http://schemas.openxmlformats.org/drawingml/2006/diagram" xmlns:o="urn:schemas-microsoft-com:office:office" xmlns:v="urn:schemas-microsoft-com:vml" xmlns:pvml="urn:schemas-microsoft-com:office:powerpoint" xmlns:com="http://schemas.openxmlformats.org/drawingml/2006/compatibility" xmlns:p14="http://schemas.microsoft.com/office/powerpoint/2010/main" xmlns:p15="http://schemas.microsoft.com/office/powerpoint/2012/main" xmlns:ahyp="http://schemas.microsoft.com/office/drawing/2018/hyperlinkcolor">
+  <p:cSld>
+    <p:spTree>
+      <p:nvGrpSpPr>
+        <p:cNvPr id="122" name="Shape 122"/>
+        <p:cNvGrpSpPr/>
+        <p:nvPr/>
+      </p:nvGrpSpPr>
+      <p:grpSpPr>
+        <a:xfrm>
+          <a:off x="0" y="0"/>
+          <a:ext cx="0" cy="0"/>
+          <a:chOff x="0" y="0"/>
+          <a:chExt cx="0" cy="0"/>
+        </a:xfrm>
+      </p:grpSpPr>
+      <p:pic>
+        <p:nvPicPr>
+          <p:cNvPr id="123" name="Google Shape;123;p21"/>
+          <p:cNvPicPr preferRelativeResize="0"/>
+          <p:nvPr/>
+        </p:nvPicPr>
+        <p:blipFill>
+          <a:blip r:embed="rId3">
+            <a:alphaModFix/>
+          </a:blip>
+          <a:stretch>
+            <a:fillRect/>
+          </a:stretch>
+        </p:blipFill>
+        <p:spPr>
+          <a:xfrm>
+            <a:off x="1244750" y="545500"/>
+            <a:ext cx="9444500" cy="5925224"/>
+          </a:xfrm>
+          <a:prstGeom prst="rect">
+            <a:avLst/>
+          </a:prstGeom>
+          <a:noFill/>
+          <a:ln>
+            <a:noFill/>
+          </a:ln>
+        </p:spPr>
+      </p:pic>
+      <p:sp>
+        <p:nvSpPr>
+          <p:cNvPr id="124" name="Google Shape;124;p21"/>
+          <p:cNvSpPr txBox="1"/>
+          <p:nvPr/>
+        </p:nvSpPr>
+        <p:spPr>
+          <a:xfrm>
+            <a:off x="5947800" y="2005600"/>
+            <a:ext cx="2958600" cy="539100"/>
+          </a:xfrm>
+          <a:prstGeom prst="rect">
+            <a:avLst/>
+          </a:prstGeom>
+          <a:noFill/>
+          <a:ln>
+            <a:noFill/>
+          </a:ln>
+        </p:spPr>
+        <p:txBody>
+          <a:bodyPr anchorCtr="0" anchor="t" bIns="91425" lIns="91425" spcFirstLastPara="1" rIns="91425" wrap="square" tIns="91425">
+            <a:noAutofit/>
+          </a:bodyPr>
+          <a:lstStyle/>
+          <a:p>
+            <a:pPr indent="0" lvl="0" marL="0" rtl="0" algn="l">
+              <a:spcBef>
+                <a:spcPts val="0"/>
+              </a:spcBef>
+              <a:spcAft>
+                <a:spcPts val="0"/>
+              </a:spcAft>
+              <a:buNone/>
+            </a:pPr>
+            <a:r>
+              <a:rPr b="1" lang="zh-TW" sz="2200">
+                <a:solidFill>
+                  <a:srgbClr val="FF0000"/>
+                </a:solidFill>
+              </a:rPr>
+              <a:t>顯示符合條件的住宿</a:t>
+            </a:r>
+            <a:endParaRPr b="1" sz="2200">
+              <a:solidFill>
+                <a:srgbClr val="FF0000"/>
+              </a:solidFill>
+            </a:endParaRPr>
+          </a:p>
+        </p:txBody>
+      </p:sp>
+      <p:sp>
+        <p:nvSpPr>
+          <p:cNvPr id="125" name="Google Shape;125;p21"/>
+          <p:cNvSpPr/>
+          <p:nvPr/>
+        </p:nvSpPr>
+        <p:spPr>
+          <a:xfrm>
+            <a:off x="5550575" y="1641475"/>
+            <a:ext cx="287100" cy="1578900"/>
+          </a:xfrm>
+          <a:prstGeom prst="downArrow">
+            <a:avLst>
+              <a:gd fmla="val 21787" name="adj1"/>
+              <a:gd fmla="val 50000" name="adj2"/>
+            </a:avLst>
+          </a:prstGeom>
+          <a:solidFill>
+            <a:srgbClr val="FF0000"/>
+          </a:solidFill>
+          <a:ln cap="flat" cmpd="sng" w="9525">
+            <a:solidFill>
+              <a:srgbClr val="FF0000"/>
+            </a:solidFill>
+            <a:prstDash val="solid"/>
+            <a:round/>
+            <a:headEnd len="sm" w="sm" type="none"/>
+            <a:tailEnd len="sm" w="sm" type="none"/>
+          </a:ln>
+        </p:spPr>
+        <p:txBody>
+          <a:bodyPr anchorCtr="0" anchor="ctr" bIns="91425" lIns="91425" spcFirstLastPara="1" rIns="91425" wrap="square" tIns="91425">
+            <a:noAutofit/>
+          </a:bodyPr>
+          <a:lstStyle/>
+          <a:p>
+            <a:pPr indent="0" lvl="0" marL="0" rtl="0" algn="ctr">
+              <a:spcBef>
+                <a:spcPts val="0"/>
+              </a:spcBef>
+              <a:spcAft>
+                <a:spcPts val="0"/>
               </a:spcAft>
               <a:buNone/>
             </a:pPr>
@@ -8809,7 +9958,7 @@
   <p:cSld>
     <p:spTree>
       <p:nvGrpSpPr>
-        <p:cNvPr id="107" name="Shape 107"/>
+        <p:cNvPr id="129" name="Shape 129"/>
         <p:cNvGrpSpPr/>
         <p:nvPr/>
       </p:nvGrpSpPr>
@@ -8821,9 +9970,37 @@
           <a:chExt cx="0" cy="0"/>
         </a:xfrm>
       </p:grpSpPr>
+      <p:pic>
+        <p:nvPicPr>
+          <p:cNvPr id="130" name="Google Shape;130;p22"/>
+          <p:cNvPicPr preferRelativeResize="0"/>
+          <p:nvPr/>
+        </p:nvPicPr>
+        <p:blipFill>
+          <a:blip r:embed="rId3">
+            <a:alphaModFix/>
+          </a:blip>
+          <a:stretch>
+            <a:fillRect/>
+          </a:stretch>
+        </p:blipFill>
+        <p:spPr>
+          <a:xfrm>
+            <a:off x="211775" y="1274575"/>
+            <a:ext cx="11768428" cy="5269343"/>
+          </a:xfrm>
+          <a:prstGeom prst="rect">
+            <a:avLst/>
+          </a:prstGeom>
+          <a:noFill/>
+          <a:ln>
+            <a:noFill/>
+          </a:ln>
+        </p:spPr>
+      </p:pic>
       <p:sp>
         <p:nvSpPr>
-          <p:cNvPr id="108" name="Google Shape;108;p22"/>
+          <p:cNvPr id="131" name="Google Shape;131;p22"/>
           <p:cNvSpPr txBox="1"/>
           <p:nvPr>
             <p:ph type="title"/>
@@ -8831,20 +10008,20 @@
         </p:nvSpPr>
         <p:spPr>
           <a:xfrm>
-            <a:off x="415650" y="2867850"/>
-            <a:ext cx="11360700" cy="1122300"/>
+            <a:off x="415600" y="593367"/>
+            <a:ext cx="11360700" cy="763500"/>
           </a:xfrm>
           <a:prstGeom prst="rect">
             <a:avLst/>
           </a:prstGeom>
         </p:spPr>
         <p:txBody>
-          <a:bodyPr anchorCtr="0" anchor="ctr" bIns="121900" lIns="121900" spcFirstLastPara="1" rIns="121900" wrap="square" tIns="121900">
-            <a:normAutofit/>
+          <a:bodyPr anchorCtr="0" anchor="t" bIns="121900" lIns="121900" spcFirstLastPara="1" rIns="121900" wrap="square" tIns="121900">
+            <a:normAutofit fontScale="90000"/>
           </a:bodyPr>
           <a:lstStyle/>
           <a:p>
-            <a:pPr indent="0" lvl="0" marL="0" rtl="0" algn="ctr">
+            <a:pPr indent="0" lvl="0" marL="0" rtl="0" algn="l">
               <a:spcBef>
                 <a:spcPts val="0"/>
               </a:spcBef>
@@ -8855,9 +10032,85 @@
             </a:pPr>
             <a:r>
               <a:rPr lang="zh-TW"/>
-              <a:t>如何保存資料</a:t>
+              <a:t>5. 必備清單</a:t>
             </a:r>
             <a:endParaRPr/>
+          </a:p>
+        </p:txBody>
+      </p:sp>
+      <p:cxnSp>
+        <p:nvCxnSpPr>
+          <p:cNvPr id="132" name="Google Shape;132;p22"/>
+          <p:cNvCxnSpPr/>
+          <p:nvPr/>
+        </p:nvCxnSpPr>
+        <p:spPr>
+          <a:xfrm flipH="1">
+            <a:off x="8483450" y="3614675"/>
+            <a:ext cx="570600" cy="131100"/>
+          </a:xfrm>
+          <a:prstGeom prst="straightConnector1">
+            <a:avLst/>
+          </a:prstGeom>
+          <a:noFill/>
+          <a:ln cap="flat" cmpd="sng" w="28575">
+            <a:solidFill>
+              <a:srgbClr val="FF0000"/>
+            </a:solidFill>
+            <a:prstDash val="solid"/>
+            <a:round/>
+            <a:headEnd len="med" w="med" type="none"/>
+            <a:tailEnd len="med" w="med" type="triangle"/>
+          </a:ln>
+        </p:spPr>
+      </p:cxnSp>
+      <p:sp>
+        <p:nvSpPr>
+          <p:cNvPr id="133" name="Google Shape;133;p22"/>
+          <p:cNvSpPr txBox="1"/>
+          <p:nvPr/>
+        </p:nvSpPr>
+        <p:spPr>
+          <a:xfrm>
+            <a:off x="9003950" y="3134825"/>
+            <a:ext cx="2362800" cy="523200"/>
+          </a:xfrm>
+          <a:prstGeom prst="rect">
+            <a:avLst/>
+          </a:prstGeom>
+          <a:noFill/>
+          <a:ln>
+            <a:noFill/>
+          </a:ln>
+        </p:spPr>
+        <p:txBody>
+          <a:bodyPr anchorCtr="0" anchor="t" bIns="91425" lIns="91425" spcFirstLastPara="1" rIns="91425" wrap="square" tIns="91425">
+            <a:spAutoFit/>
+          </a:bodyPr>
+          <a:lstStyle/>
+          <a:p>
+            <a:pPr indent="0" lvl="0" marL="0" rtl="0" algn="l">
+              <a:spcBef>
+                <a:spcPts val="0"/>
+              </a:spcBef>
+              <a:spcAft>
+                <a:spcPts val="0"/>
+              </a:spcAft>
+              <a:buNone/>
+            </a:pPr>
+            <a:r>
+              <a:rPr b="1" lang="zh-TW" sz="2200">
+                <a:solidFill>
+                  <a:srgbClr val="FF0000"/>
+                </a:solidFill>
+              </a:rPr>
+              <a:t>勾選已攜帶物品</a:t>
+            </a:r>
+            <a:endParaRPr b="1" sz="2200">
+              <a:solidFill>
+                <a:srgbClr val="FF0000"/>
+              </a:solidFill>
+            </a:endParaRPr>
           </a:p>
         </p:txBody>
       </p:sp>
